--- a/Activity 5/Vertudez_Activity_5_Report.pptx
+++ b/Activity 5/Vertudez_Activity_5_Report.pptx
@@ -9,18 +9,13 @@
     <p:sldId id="256" r:id="rId3"/>
     <p:sldId id="257" r:id="rId4"/>
     <p:sldId id="258" r:id="rId5"/>
-    <p:sldId id="259" r:id="rId6"/>
-    <p:sldId id="260" r:id="rId7"/>
-    <p:sldId id="261" r:id="rId8"/>
-    <p:sldId id="262" r:id="rId9"/>
-    <p:sldId id="264" r:id="rId10"/>
-    <p:sldId id="265" r:id="rId11"/>
-    <p:sldId id="266" r:id="rId12"/>
-    <p:sldId id="267" r:id="rId13"/>
-    <p:sldId id="268" r:id="rId14"/>
-    <p:sldId id="272" r:id="rId15"/>
-    <p:sldId id="263" r:id="rId16"/>
-    <p:sldId id="270" r:id="rId17"/>
+    <p:sldId id="271" r:id="rId6"/>
+    <p:sldId id="275" r:id="rId7"/>
+    <p:sldId id="272" r:id="rId8"/>
+    <p:sldId id="273" r:id="rId9"/>
+    <p:sldId id="274" r:id="rId10"/>
+    <p:sldId id="263" r:id="rId11"/>
+    <p:sldId id="270" r:id="rId12"/>
   </p:sldIdLst>
   <p:sldSz cx="12192000" cy="6858000"/>
   <p:notesSz cx="7772400" cy="10058400"/>
@@ -6871,8 +6866,8 @@
         </p:nvSpPr>
         <p:spPr>
           <a:xfrm>
-            <a:off x="1523880" y="2235240"/>
-            <a:ext cx="9143640" cy="2387160"/>
+            <a:off x="1524180" y="2049420"/>
+            <a:ext cx="9143640" cy="1652957"/>
           </a:xfrm>
           <a:prstGeom prst="rect">
             <a:avLst/>
@@ -6904,10 +6899,10 @@
               <a:t>Activity 5:</a:t>
             </a:r>
             <a:br>
-              <a:rPr sz="6000"/>
+              <a:rPr sz="6000" dirty="0"/>
             </a:br>
             <a:r>
-              <a:rPr lang="en-US" sz="6000" b="0" strike="noStrike" spc="-1">
+              <a:rPr lang="en-US" sz="6000" b="0" strike="noStrike" spc="-1" dirty="0">
                 <a:solidFill>
                   <a:srgbClr val="000000"/>
                 </a:solidFill>
@@ -6936,7 +6931,7 @@
         </p:nvSpPr>
         <p:spPr>
           <a:xfrm>
-            <a:off x="1523880" y="4992480"/>
+            <a:off x="1524180" y="3841964"/>
             <a:ext cx="9143640" cy="992880"/>
           </a:xfrm>
           <a:prstGeom prst="rect">
@@ -6966,7 +6961,7 @@
               </a:tabLst>
             </a:pPr>
             <a:r>
-              <a:rPr lang="en-US" sz="1600" b="0" strike="noStrike" spc="-1">
+              <a:rPr lang="en-US" sz="1600" b="0" strike="noStrike" spc="-1" dirty="0">
                 <a:solidFill>
                   <a:srgbClr val="000000"/>
                 </a:solidFill>
@@ -6974,7 +6969,7 @@
               </a:rPr>
               <a:t>Genesis Vertudez – 202003099</a:t>
             </a:r>
-            <a:endParaRPr lang="en-PH" sz="1600" b="0" strike="noStrike" spc="-1">
+            <a:endParaRPr lang="en-PH" sz="1600" b="0" strike="noStrike" spc="-1" dirty="0">
               <a:latin typeface="Arial"/>
             </a:endParaRPr>
           </a:p>
@@ -6992,7 +6987,7 @@
               </a:tabLst>
             </a:pPr>
             <a:r>
-              <a:rPr lang="en-US" sz="1600" b="0" strike="noStrike" spc="-1">
+              <a:rPr lang="en-US" sz="1600" b="0" strike="noStrike" spc="-1" dirty="0">
                 <a:solidFill>
                   <a:srgbClr val="000000"/>
                 </a:solidFill>
@@ -7000,7 +6995,7 @@
               </a:rPr>
               <a:t>App Physics 157 - Computational Analysis and Modeling in Physics</a:t>
             </a:r>
-            <a:endParaRPr lang="en-PH" sz="1600" b="0" strike="noStrike" spc="-1">
+            <a:endParaRPr lang="en-PH" sz="1600" b="0" strike="noStrike" spc="-1" dirty="0">
               <a:latin typeface="Arial"/>
             </a:endParaRPr>
           </a:p>
@@ -7018,15 +7013,33 @@
               </a:tabLst>
             </a:pPr>
             <a:r>
-              <a:rPr lang="en-US" sz="1600" b="0" strike="noStrike" spc="-1">
+              <a:rPr lang="en-US" sz="1600" b="0" strike="noStrike" spc="-1" dirty="0">
                 <a:solidFill>
                   <a:srgbClr val="000000"/>
                 </a:solidFill>
                 <a:latin typeface="Calibri"/>
               </a:rPr>
-              <a:t>Submitted to Dr. Maricor Soriano; Mx. Rene Principe Jr.</a:t>
+              <a:t>Submitted to Dr. </a:t>
             </a:r>
-            <a:endParaRPr lang="en-PH" sz="1600" b="0" strike="noStrike" spc="-1">
+            <a:r>
+              <a:rPr lang="en-US" sz="1600" b="0" strike="noStrike" spc="-1" dirty="0" err="1">
+                <a:solidFill>
+                  <a:srgbClr val="000000"/>
+                </a:solidFill>
+                <a:latin typeface="Calibri"/>
+              </a:rPr>
+              <a:t>Maricor</a:t>
+            </a:r>
+            <a:r>
+              <a:rPr lang="en-US" sz="1600" b="0" strike="noStrike" spc="-1" dirty="0">
+                <a:solidFill>
+                  <a:srgbClr val="000000"/>
+                </a:solidFill>
+                <a:latin typeface="Calibri"/>
+              </a:rPr>
+              <a:t> Soriano; Mx. Rene Principe Jr.</a:t>
+            </a:r>
+            <a:endParaRPr lang="en-PH" sz="1600" b="0" strike="noStrike" spc="-1" dirty="0">
               <a:latin typeface="Arial"/>
             </a:endParaRPr>
           </a:p>
@@ -7059,2089 +7072,6 @@
       </p:grpSpPr>
       <p:sp>
         <p:nvSpPr>
-          <p:cNvPr id="94" name="PlaceHolder 1"/>
-          <p:cNvSpPr>
-            <a:spLocks noGrp="1"/>
-          </p:cNvSpPr>
-          <p:nvPr>
-            <p:ph/>
-          </p:nvPr>
-        </p:nvSpPr>
-        <p:spPr>
-          <a:xfrm>
-            <a:off x="838080" y="1825560"/>
-            <a:ext cx="10515240" cy="4350960"/>
-          </a:xfrm>
-          <a:prstGeom prst="rect">
-            <a:avLst/>
-          </a:prstGeom>
-          <a:noFill/>
-          <a:ln w="0">
-            <a:noFill/>
-          </a:ln>
-        </p:spPr>
-        <p:txBody>
-          <a:bodyPr anchor="t">
-            <a:normAutofit fontScale="94000"/>
-          </a:bodyPr>
-          <a:lstStyle/>
-          <a:p>
-            <a:pPr marL="228600" indent="-228600">
-              <a:lnSpc>
-                <a:spcPct val="90000"/>
-              </a:lnSpc>
-              <a:spcBef>
-                <a:spcPts val="1001"/>
-              </a:spcBef>
-              <a:buClr>
-                <a:srgbClr val="000000"/>
-              </a:buClr>
-              <a:buFont typeface="Arial"/>
-              <a:buChar char="•"/>
-            </a:pPr>
-            <a:r>
-              <a:rPr lang="en-US" sz="2800" b="0" strike="noStrike" spc="-1" dirty="0">
-                <a:solidFill>
-                  <a:srgbClr val="000000"/>
-                </a:solidFill>
-                <a:latin typeface="Calibri"/>
-              </a:rPr>
-              <a:t>Converting to 8-bit</a:t>
-            </a:r>
-          </a:p>
-          <a:p>
-            <a:pPr>
-              <a:lnSpc>
-                <a:spcPct val="90000"/>
-              </a:lnSpc>
-              <a:spcBef>
-                <a:spcPts val="1001"/>
-              </a:spcBef>
-              <a:buNone/>
-            </a:pPr>
-            <a:endParaRPr lang="en-US" sz="2800" b="0" strike="noStrike" spc="-1" dirty="0">
-              <a:solidFill>
-                <a:srgbClr val="000000"/>
-              </a:solidFill>
-              <a:latin typeface="Calibri"/>
-            </a:endParaRPr>
-          </a:p>
-          <a:p>
-            <a:pPr>
-              <a:lnSpc>
-                <a:spcPct val="90000"/>
-              </a:lnSpc>
-              <a:spcBef>
-                <a:spcPts val="1001"/>
-              </a:spcBef>
-              <a:buNone/>
-            </a:pPr>
-            <a:endParaRPr lang="en-US" sz="2800" b="0" strike="noStrike" spc="-1" dirty="0">
-              <a:solidFill>
-                <a:srgbClr val="000000"/>
-              </a:solidFill>
-              <a:latin typeface="Calibri"/>
-            </a:endParaRPr>
-          </a:p>
-          <a:p>
-            <a:pPr>
-              <a:lnSpc>
-                <a:spcPct val="90000"/>
-              </a:lnSpc>
-              <a:spcBef>
-                <a:spcPts val="1001"/>
-              </a:spcBef>
-              <a:buNone/>
-            </a:pPr>
-            <a:endParaRPr lang="en-US" sz="2800" b="0" strike="noStrike" spc="-1" dirty="0">
-              <a:solidFill>
-                <a:srgbClr val="000000"/>
-              </a:solidFill>
-              <a:latin typeface="Calibri"/>
-            </a:endParaRPr>
-          </a:p>
-          <a:p>
-            <a:pPr>
-              <a:lnSpc>
-                <a:spcPct val="90000"/>
-              </a:lnSpc>
-              <a:spcBef>
-                <a:spcPts val="1001"/>
-              </a:spcBef>
-              <a:buNone/>
-            </a:pPr>
-            <a:endParaRPr lang="en-US" sz="2800" b="0" strike="noStrike" spc="-1" dirty="0">
-              <a:solidFill>
-                <a:srgbClr val="000000"/>
-              </a:solidFill>
-              <a:latin typeface="Calibri"/>
-            </a:endParaRPr>
-          </a:p>
-          <a:p>
-            <a:pPr>
-              <a:lnSpc>
-                <a:spcPct val="90000"/>
-              </a:lnSpc>
-              <a:spcBef>
-                <a:spcPts val="1001"/>
-              </a:spcBef>
-              <a:buNone/>
-            </a:pPr>
-            <a:endParaRPr lang="en-US" sz="2800" b="0" strike="noStrike" spc="-1" dirty="0">
-              <a:solidFill>
-                <a:srgbClr val="000000"/>
-              </a:solidFill>
-              <a:latin typeface="Calibri"/>
-            </a:endParaRPr>
-          </a:p>
-          <a:p>
-            <a:pPr>
-              <a:lnSpc>
-                <a:spcPct val="90000"/>
-              </a:lnSpc>
-              <a:spcBef>
-                <a:spcPts val="1001"/>
-              </a:spcBef>
-              <a:buNone/>
-            </a:pPr>
-            <a:endParaRPr lang="en-US" sz="2800" b="0" strike="noStrike" spc="-1" dirty="0">
-              <a:solidFill>
-                <a:srgbClr val="000000"/>
-              </a:solidFill>
-              <a:latin typeface="Calibri"/>
-            </a:endParaRPr>
-          </a:p>
-          <a:p>
-            <a:pPr>
-              <a:lnSpc>
-                <a:spcPct val="90000"/>
-              </a:lnSpc>
-              <a:spcBef>
-                <a:spcPts val="1001"/>
-              </a:spcBef>
-              <a:buNone/>
-            </a:pPr>
-            <a:endParaRPr lang="en-US" sz="2800" b="0" strike="noStrike" spc="-1" dirty="0">
-              <a:solidFill>
-                <a:srgbClr val="000000"/>
-              </a:solidFill>
-              <a:latin typeface="Calibri"/>
-            </a:endParaRPr>
-          </a:p>
-          <a:p>
-            <a:pPr marL="228600" indent="-228600">
-              <a:lnSpc>
-                <a:spcPct val="90000"/>
-              </a:lnSpc>
-              <a:spcBef>
-                <a:spcPts val="1001"/>
-              </a:spcBef>
-              <a:buClr>
-                <a:srgbClr val="000000"/>
-              </a:buClr>
-              <a:buFont typeface="Arial"/>
-              <a:buChar char="•"/>
-            </a:pPr>
-            <a:r>
-              <a:rPr lang="en-US" sz="2800" b="0" strike="noStrike" spc="-1" dirty="0">
-                <a:solidFill>
-                  <a:srgbClr val="000000"/>
-                </a:solidFill>
-                <a:latin typeface="Calibri"/>
-              </a:rPr>
-              <a:t>Applying threshold only works on grayscale images, so we convert it first.</a:t>
-            </a:r>
-          </a:p>
-        </p:txBody>
-      </p:sp>
-      <p:sp>
-        <p:nvSpPr>
-          <p:cNvPr id="95" name="PlaceHolder 2"/>
-          <p:cNvSpPr>
-            <a:spLocks noGrp="1"/>
-          </p:cNvSpPr>
-          <p:nvPr>
-            <p:ph type="title"/>
-          </p:nvPr>
-        </p:nvSpPr>
-        <p:spPr>
-          <a:xfrm>
-            <a:off x="838080" y="365040"/>
-            <a:ext cx="10515240" cy="1325160"/>
-          </a:xfrm>
-          <a:prstGeom prst="rect">
-            <a:avLst/>
-          </a:prstGeom>
-          <a:noFill/>
-          <a:ln w="0">
-            <a:noFill/>
-          </a:ln>
-        </p:spPr>
-        <p:txBody>
-          <a:bodyPr anchor="ctr">
-            <a:noAutofit/>
-          </a:bodyPr>
-          <a:lstStyle/>
-          <a:p>
-            <a:pPr>
-              <a:lnSpc>
-                <a:spcPct val="90000"/>
-              </a:lnSpc>
-              <a:buNone/>
-            </a:pPr>
-            <a:r>
-              <a:rPr lang="en-US" sz="4400" b="0" strike="noStrike" spc="-1">
-                <a:solidFill>
-                  <a:srgbClr val="000000"/>
-                </a:solidFill>
-                <a:latin typeface="Calibri Light"/>
-              </a:rPr>
-              <a:t>RESULTS &amp; ANALYSIS</a:t>
-            </a:r>
-            <a:endParaRPr lang="en-US" sz="4400" b="0" strike="noStrike" spc="-1">
-              <a:solidFill>
-                <a:srgbClr val="000000"/>
-              </a:solidFill>
-              <a:latin typeface="Calibri"/>
-            </a:endParaRPr>
-          </a:p>
-        </p:txBody>
-      </p:sp>
-      <p:sp>
-        <p:nvSpPr>
-          <p:cNvPr id="96" name="Content Placeholder 2"/>
-          <p:cNvSpPr/>
-          <p:nvPr/>
-        </p:nvSpPr>
-        <p:spPr>
-          <a:xfrm>
-            <a:off x="0" y="6610680"/>
-            <a:ext cx="12191760" cy="246960"/>
-          </a:xfrm>
-          <a:prstGeom prst="rect">
-            <a:avLst/>
-          </a:prstGeom>
-          <a:noFill/>
-          <a:ln w="0">
-            <a:noFill/>
-          </a:ln>
-        </p:spPr>
-        <p:style>
-          <a:lnRef idx="0">
-            <a:scrgbClr r="0" g="0" b="0"/>
-          </a:lnRef>
-          <a:fillRef idx="0">
-            <a:scrgbClr r="0" g="0" b="0"/>
-          </a:fillRef>
-          <a:effectRef idx="0">
-            <a:scrgbClr r="0" g="0" b="0"/>
-          </a:effectRef>
-          <a:fontRef idx="minor"/>
-        </p:style>
-        <p:txBody>
-          <a:bodyPr anchor="t">
-            <a:normAutofit fontScale="95000" lnSpcReduction="10000"/>
-          </a:bodyPr>
-          <a:lstStyle/>
-          <a:p>
-            <a:pPr marL="0" indent="0">
-              <a:buNone/>
-            </a:pPr>
-            <a:r>
-              <a:rPr lang="en-US" sz="1200" dirty="0">
-                <a:latin typeface="Calibri" panose="020F0502020204030204" pitchFamily="34" charset="0"/>
-                <a:cs typeface="Calibri" panose="020F0502020204030204" pitchFamily="34" charset="0"/>
-              </a:rPr>
-              <a:t>Codes and files: </a:t>
-            </a:r>
-            <a:r>
-              <a:rPr lang="en-US" sz="1200" dirty="0">
-                <a:latin typeface="Calibri" panose="020F0502020204030204" pitchFamily="34" charset="0"/>
-                <a:cs typeface="Calibri" panose="020F0502020204030204" pitchFamily="34" charset="0"/>
-                <a:hlinkClick r:id="rId2"/>
-              </a:rPr>
-              <a:t>https://github.com/genvert/AP_157_FX-2_Vertudez/tree/main/Activity%205</a:t>
-            </a:r>
-            <a:endParaRPr lang="en-US" sz="1200" dirty="0">
-              <a:latin typeface="Calibri" panose="020F0502020204030204" pitchFamily="34" charset="0"/>
-              <a:cs typeface="Calibri" panose="020F0502020204030204" pitchFamily="34" charset="0"/>
-            </a:endParaRPr>
-          </a:p>
-        </p:txBody>
-      </p:sp>
-      <p:pic>
-        <p:nvPicPr>
-          <p:cNvPr id="3" name="Picture 2">
-            <a:extLst>
-              <a:ext uri="{FF2B5EF4-FFF2-40B4-BE49-F238E27FC236}">
-                <a16:creationId xmlns:a16="http://schemas.microsoft.com/office/drawing/2014/main" id="{5D424471-A06F-48B0-A769-EFB422B0B085}"/>
-              </a:ext>
-            </a:extLst>
-          </p:cNvPr>
-          <p:cNvPicPr>
-            <a:picLocks noChangeAspect="1"/>
-          </p:cNvPicPr>
-          <p:nvPr/>
-        </p:nvPicPr>
-        <p:blipFill>
-          <a:blip r:embed="rId3" cstate="print">
-            <a:extLst>
-              <a:ext uri="{28A0092B-C50C-407E-A947-70E740481C1C}">
-                <a14:useLocalDpi xmlns:a14="http://schemas.microsoft.com/office/drawing/2010/main" val="0"/>
-              </a:ext>
-            </a:extLst>
-          </a:blip>
-          <a:stretch>
-            <a:fillRect/>
-          </a:stretch>
-        </p:blipFill>
-        <p:spPr>
-          <a:xfrm>
-            <a:off x="4750376" y="2124360"/>
-            <a:ext cx="2691247" cy="3588330"/>
-          </a:xfrm>
-          <a:prstGeom prst="rect">
-            <a:avLst/>
-          </a:prstGeom>
-        </p:spPr>
-      </p:pic>
-    </p:spTree>
-    <p:extLst>
-      <p:ext uri="{BB962C8B-B14F-4D97-AF65-F5344CB8AC3E}">
-        <p14:creationId xmlns:p14="http://schemas.microsoft.com/office/powerpoint/2010/main" val="1527396413"/>
-      </p:ext>
-    </p:extLst>
-  </p:cSld>
-  <p:clrMapOvr>
-    <a:masterClrMapping/>
-  </p:clrMapOvr>
-</p:sld>
-</file>
-
-<file path=ppt/slides/slide11.xml><?xml version="1.0" encoding="utf-8"?>
-<p:sld xmlns:a="http://schemas.openxmlformats.org/drawingml/2006/main" xmlns:r="http://schemas.openxmlformats.org/officeDocument/2006/relationships" xmlns:p="http://schemas.openxmlformats.org/presentationml/2006/main">
-  <p:cSld>
-    <p:spTree>
-      <p:nvGrpSpPr>
-        <p:cNvPr id="1" name=""/>
-        <p:cNvGrpSpPr/>
-        <p:nvPr/>
-      </p:nvGrpSpPr>
-      <p:grpSpPr>
-        <a:xfrm>
-          <a:off x="0" y="0"/>
-          <a:ext cx="0" cy="0"/>
-          <a:chOff x="0" y="0"/>
-          <a:chExt cx="0" cy="0"/>
-        </a:xfrm>
-      </p:grpSpPr>
-      <p:sp>
-        <p:nvSpPr>
-          <p:cNvPr id="98" name="PlaceHolder 1"/>
-          <p:cNvSpPr>
-            <a:spLocks noGrp="1"/>
-          </p:cNvSpPr>
-          <p:nvPr>
-            <p:ph/>
-          </p:nvPr>
-        </p:nvSpPr>
-        <p:spPr>
-          <a:xfrm>
-            <a:off x="838080" y="1442880"/>
-            <a:ext cx="10515240" cy="5414760"/>
-          </a:xfrm>
-          <a:prstGeom prst="rect">
-            <a:avLst/>
-          </a:prstGeom>
-          <a:noFill/>
-          <a:ln w="0">
-            <a:noFill/>
-          </a:ln>
-        </p:spPr>
-        <p:txBody>
-          <a:bodyPr anchor="t">
-            <a:normAutofit/>
-          </a:bodyPr>
-          <a:lstStyle/>
-          <a:p>
-            <a:pPr marL="228600" indent="-228600">
-              <a:lnSpc>
-                <a:spcPct val="90000"/>
-              </a:lnSpc>
-              <a:spcBef>
-                <a:spcPts val="1001"/>
-              </a:spcBef>
-              <a:buClr>
-                <a:srgbClr val="000000"/>
-              </a:buClr>
-              <a:buFont typeface="Arial"/>
-              <a:buChar char="•"/>
-            </a:pPr>
-            <a:r>
-              <a:rPr lang="en-US" sz="2800" b="0" strike="noStrike" spc="-1" dirty="0">
-                <a:solidFill>
-                  <a:srgbClr val="000000"/>
-                </a:solidFill>
-                <a:latin typeface="Calibri"/>
-              </a:rPr>
-              <a:t>Applying threshold and binarizing</a:t>
-            </a:r>
-          </a:p>
-          <a:p>
-            <a:pPr>
-              <a:lnSpc>
-                <a:spcPct val="90000"/>
-              </a:lnSpc>
-              <a:spcBef>
-                <a:spcPts val="1001"/>
-              </a:spcBef>
-              <a:buNone/>
-            </a:pPr>
-            <a:endParaRPr lang="en-US" sz="2800" b="0" strike="noStrike" spc="-1" dirty="0">
-              <a:solidFill>
-                <a:srgbClr val="000000"/>
-              </a:solidFill>
-              <a:latin typeface="Calibri"/>
-            </a:endParaRPr>
-          </a:p>
-          <a:p>
-            <a:pPr>
-              <a:lnSpc>
-                <a:spcPct val="90000"/>
-              </a:lnSpc>
-              <a:spcBef>
-                <a:spcPts val="1001"/>
-              </a:spcBef>
-              <a:buNone/>
-            </a:pPr>
-            <a:endParaRPr lang="en-US" sz="2800" b="0" strike="noStrike" spc="-1" dirty="0">
-              <a:solidFill>
-                <a:srgbClr val="000000"/>
-              </a:solidFill>
-              <a:latin typeface="Calibri"/>
-            </a:endParaRPr>
-          </a:p>
-          <a:p>
-            <a:pPr>
-              <a:lnSpc>
-                <a:spcPct val="90000"/>
-              </a:lnSpc>
-              <a:spcBef>
-                <a:spcPts val="1001"/>
-              </a:spcBef>
-              <a:buNone/>
-            </a:pPr>
-            <a:endParaRPr lang="en-US" sz="2800" b="0" strike="noStrike" spc="-1" dirty="0">
-              <a:solidFill>
-                <a:srgbClr val="000000"/>
-              </a:solidFill>
-              <a:latin typeface="Calibri"/>
-            </a:endParaRPr>
-          </a:p>
-          <a:p>
-            <a:pPr>
-              <a:lnSpc>
-                <a:spcPct val="90000"/>
-              </a:lnSpc>
-              <a:spcBef>
-                <a:spcPts val="1001"/>
-              </a:spcBef>
-              <a:buNone/>
-            </a:pPr>
-            <a:endParaRPr lang="en-US" sz="2800" b="0" strike="noStrike" spc="-1" dirty="0">
-              <a:solidFill>
-                <a:srgbClr val="000000"/>
-              </a:solidFill>
-              <a:latin typeface="Calibri"/>
-            </a:endParaRPr>
-          </a:p>
-          <a:p>
-            <a:pPr>
-              <a:lnSpc>
-                <a:spcPct val="90000"/>
-              </a:lnSpc>
-              <a:spcBef>
-                <a:spcPts val="1001"/>
-              </a:spcBef>
-              <a:buNone/>
-            </a:pPr>
-            <a:endParaRPr lang="en-US" sz="2800" b="0" strike="noStrike" spc="-1" dirty="0">
-              <a:solidFill>
-                <a:srgbClr val="000000"/>
-              </a:solidFill>
-              <a:latin typeface="Calibri"/>
-            </a:endParaRPr>
-          </a:p>
-          <a:p>
-            <a:pPr>
-              <a:lnSpc>
-                <a:spcPct val="90000"/>
-              </a:lnSpc>
-              <a:spcBef>
-                <a:spcPts val="1001"/>
-              </a:spcBef>
-              <a:buNone/>
-            </a:pPr>
-            <a:endParaRPr lang="en-US" sz="2800" b="0" strike="noStrike" spc="-1" dirty="0">
-              <a:solidFill>
-                <a:srgbClr val="000000"/>
-              </a:solidFill>
-              <a:latin typeface="Calibri"/>
-            </a:endParaRPr>
-          </a:p>
-          <a:p>
-            <a:pPr marL="228600" indent="-228600">
-              <a:lnSpc>
-                <a:spcPct val="90000"/>
-              </a:lnSpc>
-              <a:spcBef>
-                <a:spcPts val="1001"/>
-              </a:spcBef>
-              <a:buClr>
-                <a:srgbClr val="000000"/>
-              </a:buClr>
-              <a:buFont typeface="Arial"/>
-              <a:buChar char="•"/>
-            </a:pPr>
-            <a:r>
-              <a:rPr lang="en-US" sz="2800" b="0" strike="noStrike" spc="-1" dirty="0">
-                <a:solidFill>
-                  <a:srgbClr val="000000"/>
-                </a:solidFill>
-                <a:latin typeface="Calibri"/>
-              </a:rPr>
-              <a:t>Since </a:t>
-            </a:r>
-            <a:r>
-              <a:rPr lang="en-US" spc="-1" dirty="0">
-                <a:solidFill>
-                  <a:srgbClr val="000000"/>
-                </a:solidFill>
-                <a:latin typeface="Calibri"/>
-              </a:rPr>
-              <a:t>I want the 4x4x4 with white face, it is easy to pick it out from the background and other objects which are significantly darker.</a:t>
-            </a:r>
-            <a:endParaRPr lang="en-US" sz="2800" b="0" strike="noStrike" spc="-1" dirty="0">
-              <a:solidFill>
-                <a:srgbClr val="000000"/>
-              </a:solidFill>
-              <a:latin typeface="Calibri"/>
-            </a:endParaRPr>
-          </a:p>
-          <a:p>
-            <a:pPr marL="228600" indent="-228600">
-              <a:lnSpc>
-                <a:spcPct val="90000"/>
-              </a:lnSpc>
-              <a:spcBef>
-                <a:spcPts val="1001"/>
-              </a:spcBef>
-              <a:buClr>
-                <a:srgbClr val="000000"/>
-              </a:buClr>
-              <a:buFont typeface="Arial"/>
-              <a:buChar char="•"/>
-            </a:pPr>
-            <a:r>
-              <a:rPr lang="en-US" sz="2800" b="0" strike="noStrike" spc="-1" dirty="0">
-                <a:solidFill>
-                  <a:srgbClr val="000000"/>
-                </a:solidFill>
-                <a:latin typeface="Calibri"/>
-              </a:rPr>
-              <a:t>The image is then binarized to make sure that there are only two values for easier extraction of geometric features.</a:t>
-            </a:r>
-          </a:p>
-        </p:txBody>
-      </p:sp>
-      <p:sp>
-        <p:nvSpPr>
-          <p:cNvPr id="99" name="PlaceHolder 2"/>
-          <p:cNvSpPr>
-            <a:spLocks noGrp="1"/>
-          </p:cNvSpPr>
-          <p:nvPr>
-            <p:ph type="title"/>
-          </p:nvPr>
-        </p:nvSpPr>
-        <p:spPr>
-          <a:xfrm>
-            <a:off x="838080" y="365040"/>
-            <a:ext cx="10515240" cy="1325160"/>
-          </a:xfrm>
-          <a:prstGeom prst="rect">
-            <a:avLst/>
-          </a:prstGeom>
-          <a:noFill/>
-          <a:ln w="0">
-            <a:noFill/>
-          </a:ln>
-        </p:spPr>
-        <p:txBody>
-          <a:bodyPr anchor="ctr">
-            <a:noAutofit/>
-          </a:bodyPr>
-          <a:lstStyle/>
-          <a:p>
-            <a:pPr>
-              <a:lnSpc>
-                <a:spcPct val="90000"/>
-              </a:lnSpc>
-              <a:buNone/>
-            </a:pPr>
-            <a:r>
-              <a:rPr lang="en-US" sz="4400" b="0" strike="noStrike" spc="-1">
-                <a:solidFill>
-                  <a:srgbClr val="000000"/>
-                </a:solidFill>
-                <a:latin typeface="Calibri Light"/>
-              </a:rPr>
-              <a:t>RESULTS &amp; ANALYSIS</a:t>
-            </a:r>
-            <a:endParaRPr lang="en-US" sz="4400" b="0" strike="noStrike" spc="-1">
-              <a:solidFill>
-                <a:srgbClr val="000000"/>
-              </a:solidFill>
-              <a:latin typeface="Calibri"/>
-            </a:endParaRPr>
-          </a:p>
-        </p:txBody>
-      </p:sp>
-      <p:sp>
-        <p:nvSpPr>
-          <p:cNvPr id="100" name="Content Placeholder 2"/>
-          <p:cNvSpPr/>
-          <p:nvPr/>
-        </p:nvSpPr>
-        <p:spPr>
-          <a:xfrm>
-            <a:off x="0" y="6610680"/>
-            <a:ext cx="12191760" cy="246960"/>
-          </a:xfrm>
-          <a:prstGeom prst="rect">
-            <a:avLst/>
-          </a:prstGeom>
-          <a:noFill/>
-          <a:ln w="0">
-            <a:noFill/>
-          </a:ln>
-        </p:spPr>
-        <p:style>
-          <a:lnRef idx="0">
-            <a:scrgbClr r="0" g="0" b="0"/>
-          </a:lnRef>
-          <a:fillRef idx="0">
-            <a:scrgbClr r="0" g="0" b="0"/>
-          </a:fillRef>
-          <a:effectRef idx="0">
-            <a:scrgbClr r="0" g="0" b="0"/>
-          </a:effectRef>
-          <a:fontRef idx="minor"/>
-        </p:style>
-        <p:txBody>
-          <a:bodyPr anchor="t">
-            <a:normAutofit fontScale="95000" lnSpcReduction="10000"/>
-          </a:bodyPr>
-          <a:lstStyle/>
-          <a:p>
-            <a:pPr marL="0" indent="0">
-              <a:buNone/>
-            </a:pPr>
-            <a:r>
-              <a:rPr lang="en-US" sz="1200" dirty="0">
-                <a:latin typeface="Calibri" panose="020F0502020204030204" pitchFamily="34" charset="0"/>
-                <a:cs typeface="Calibri" panose="020F0502020204030204" pitchFamily="34" charset="0"/>
-              </a:rPr>
-              <a:t>Codes and files: </a:t>
-            </a:r>
-            <a:r>
-              <a:rPr lang="en-US" sz="1200" dirty="0">
-                <a:latin typeface="Calibri" panose="020F0502020204030204" pitchFamily="34" charset="0"/>
-                <a:cs typeface="Calibri" panose="020F0502020204030204" pitchFamily="34" charset="0"/>
-                <a:hlinkClick r:id="rId2"/>
-              </a:rPr>
-              <a:t>https://github.com/genvert/AP_157_FX-2_Vertudez/tree/main/Activity%205</a:t>
-            </a:r>
-            <a:endParaRPr lang="en-US" sz="1200" dirty="0">
-              <a:latin typeface="Calibri" panose="020F0502020204030204" pitchFamily="34" charset="0"/>
-              <a:cs typeface="Calibri" panose="020F0502020204030204" pitchFamily="34" charset="0"/>
-            </a:endParaRPr>
-          </a:p>
-        </p:txBody>
-      </p:sp>
-      <p:pic>
-        <p:nvPicPr>
-          <p:cNvPr id="3" name="Picture 2">
-            <a:extLst>
-              <a:ext uri="{FF2B5EF4-FFF2-40B4-BE49-F238E27FC236}">
-                <a16:creationId xmlns:a16="http://schemas.microsoft.com/office/drawing/2014/main" id="{7B704775-23FC-420E-AEE2-31C14CD1C78F}"/>
-              </a:ext>
-            </a:extLst>
-          </p:cNvPr>
-          <p:cNvPicPr>
-            <a:picLocks noChangeAspect="1"/>
-          </p:cNvPicPr>
-          <p:nvPr/>
-        </p:nvPicPr>
-        <p:blipFill>
-          <a:blip r:embed="rId3" cstate="print">
-            <a:extLst>
-              <a:ext uri="{28A0092B-C50C-407E-A947-70E740481C1C}">
-                <a14:useLocalDpi xmlns:a14="http://schemas.microsoft.com/office/drawing/2010/main" val="0"/>
-              </a:ext>
-            </a:extLst>
-          </a:blip>
-          <a:stretch>
-            <a:fillRect/>
-          </a:stretch>
-        </p:blipFill>
-        <p:spPr>
-          <a:xfrm>
-            <a:off x="1967345" y="1931508"/>
-            <a:ext cx="3517083" cy="2994984"/>
-          </a:xfrm>
-          <a:prstGeom prst="rect">
-            <a:avLst/>
-          </a:prstGeom>
-        </p:spPr>
-      </p:pic>
-      <p:pic>
-        <p:nvPicPr>
-          <p:cNvPr id="5" name="Picture 4">
-            <a:extLst>
-              <a:ext uri="{FF2B5EF4-FFF2-40B4-BE49-F238E27FC236}">
-                <a16:creationId xmlns:a16="http://schemas.microsoft.com/office/drawing/2014/main" id="{5FFBA7EB-FF67-4FA7-B190-6ADD72C32B9D}"/>
-              </a:ext>
-            </a:extLst>
-          </p:cNvPr>
-          <p:cNvPicPr>
-            <a:picLocks noChangeAspect="1"/>
-          </p:cNvPicPr>
-          <p:nvPr/>
-        </p:nvPicPr>
-        <p:blipFill>
-          <a:blip r:embed="rId4" cstate="print">
-            <a:extLst>
-              <a:ext uri="{28A0092B-C50C-407E-A947-70E740481C1C}">
-                <a14:useLocalDpi xmlns:a14="http://schemas.microsoft.com/office/drawing/2010/main" val="0"/>
-              </a:ext>
-            </a:extLst>
-          </a:blip>
-          <a:stretch>
-            <a:fillRect/>
-          </a:stretch>
-        </p:blipFill>
-        <p:spPr>
-          <a:xfrm>
-            <a:off x="7486650" y="1931508"/>
-            <a:ext cx="2353575" cy="3138100"/>
-          </a:xfrm>
-          <a:prstGeom prst="rect">
-            <a:avLst/>
-          </a:prstGeom>
-        </p:spPr>
-      </p:pic>
-    </p:spTree>
-    <p:extLst>
-      <p:ext uri="{BB962C8B-B14F-4D97-AF65-F5344CB8AC3E}">
-        <p14:creationId xmlns:p14="http://schemas.microsoft.com/office/powerpoint/2010/main" val="1258329081"/>
-      </p:ext>
-    </p:extLst>
-  </p:cSld>
-  <p:clrMapOvr>
-    <a:masterClrMapping/>
-  </p:clrMapOvr>
-</p:sld>
-</file>
-
-<file path=ppt/slides/slide12.xml><?xml version="1.0" encoding="utf-8"?>
-<p:sld xmlns:a="http://schemas.openxmlformats.org/drawingml/2006/main" xmlns:r="http://schemas.openxmlformats.org/officeDocument/2006/relationships" xmlns:p="http://schemas.openxmlformats.org/presentationml/2006/main">
-  <p:cSld>
-    <p:spTree>
-      <p:nvGrpSpPr>
-        <p:cNvPr id="1" name=""/>
-        <p:cNvGrpSpPr/>
-        <p:nvPr/>
-      </p:nvGrpSpPr>
-      <p:grpSpPr>
-        <a:xfrm>
-          <a:off x="0" y="0"/>
-          <a:ext cx="0" cy="0"/>
-          <a:chOff x="0" y="0"/>
-          <a:chExt cx="0" cy="0"/>
-        </a:xfrm>
-      </p:grpSpPr>
-      <p:sp>
-        <p:nvSpPr>
-          <p:cNvPr id="103" name="PlaceHolder 1"/>
-          <p:cNvSpPr>
-            <a:spLocks noGrp="1"/>
-          </p:cNvSpPr>
-          <p:nvPr>
-            <p:ph/>
-          </p:nvPr>
-        </p:nvSpPr>
-        <p:spPr>
-          <a:xfrm>
-            <a:off x="838080" y="1690560"/>
-            <a:ext cx="10515240" cy="5104080"/>
-          </a:xfrm>
-          <a:prstGeom prst="rect">
-            <a:avLst/>
-          </a:prstGeom>
-          <a:noFill/>
-          <a:ln w="0">
-            <a:noFill/>
-          </a:ln>
-        </p:spPr>
-        <p:txBody>
-          <a:bodyPr anchor="t">
-            <a:normAutofit/>
-          </a:bodyPr>
-          <a:lstStyle/>
-          <a:p>
-            <a:pPr marL="228600" indent="-228600">
-              <a:lnSpc>
-                <a:spcPct val="90000"/>
-              </a:lnSpc>
-              <a:spcBef>
-                <a:spcPts val="1001"/>
-              </a:spcBef>
-              <a:buClr>
-                <a:srgbClr val="000000"/>
-              </a:buClr>
-              <a:buFont typeface="Arial"/>
-              <a:buChar char="•"/>
-            </a:pPr>
-            <a:r>
-              <a:rPr lang="en-US" sz="2800" b="0" strike="noStrike" spc="-1" dirty="0">
-                <a:solidFill>
-                  <a:srgbClr val="000000"/>
-                </a:solidFill>
-                <a:latin typeface="Calibri"/>
-              </a:rPr>
-              <a:t>Analyze particles results</a:t>
-            </a:r>
-          </a:p>
-          <a:p>
-            <a:pPr marL="228600" indent="-228600">
-              <a:lnSpc>
-                <a:spcPct val="90000"/>
-              </a:lnSpc>
-              <a:spcBef>
-                <a:spcPts val="1001"/>
-              </a:spcBef>
-              <a:buClr>
-                <a:srgbClr val="000000"/>
-              </a:buClr>
-              <a:buFont typeface="Arial"/>
-              <a:buChar char="•"/>
-            </a:pPr>
-            <a:endParaRPr lang="en-US" spc="-1" dirty="0">
-              <a:solidFill>
-                <a:srgbClr val="000000"/>
-              </a:solidFill>
-              <a:latin typeface="Calibri"/>
-            </a:endParaRPr>
-          </a:p>
-          <a:p>
-            <a:pPr marL="228600" indent="-228600">
-              <a:lnSpc>
-                <a:spcPct val="90000"/>
-              </a:lnSpc>
-              <a:spcBef>
-                <a:spcPts val="1001"/>
-              </a:spcBef>
-              <a:buClr>
-                <a:srgbClr val="000000"/>
-              </a:buClr>
-              <a:buFont typeface="Arial"/>
-              <a:buChar char="•"/>
-            </a:pPr>
-            <a:endParaRPr lang="en-US" sz="2800" b="0" strike="noStrike" spc="-1" dirty="0">
-              <a:solidFill>
-                <a:srgbClr val="000000"/>
-              </a:solidFill>
-              <a:latin typeface="Calibri"/>
-            </a:endParaRPr>
-          </a:p>
-          <a:p>
-            <a:pPr marL="228600" indent="-228600">
-              <a:lnSpc>
-                <a:spcPct val="90000"/>
-              </a:lnSpc>
-              <a:spcBef>
-                <a:spcPts val="1001"/>
-              </a:spcBef>
-              <a:buClr>
-                <a:srgbClr val="000000"/>
-              </a:buClr>
-              <a:buFont typeface="Arial"/>
-              <a:buChar char="•"/>
-            </a:pPr>
-            <a:endParaRPr lang="en-US" spc="-1" dirty="0">
-              <a:solidFill>
-                <a:srgbClr val="000000"/>
-              </a:solidFill>
-              <a:latin typeface="Calibri"/>
-            </a:endParaRPr>
-          </a:p>
-          <a:p>
-            <a:pPr marL="228600" indent="-228600">
-              <a:lnSpc>
-                <a:spcPct val="90000"/>
-              </a:lnSpc>
-              <a:spcBef>
-                <a:spcPts val="1001"/>
-              </a:spcBef>
-              <a:buClr>
-                <a:srgbClr val="000000"/>
-              </a:buClr>
-              <a:buFont typeface="Arial"/>
-              <a:buChar char="•"/>
-            </a:pPr>
-            <a:endParaRPr lang="en-US" sz="2800" b="0" strike="noStrike" spc="-1" dirty="0">
-              <a:solidFill>
-                <a:srgbClr val="000000"/>
-              </a:solidFill>
-              <a:latin typeface="Calibri"/>
-            </a:endParaRPr>
-          </a:p>
-          <a:p>
-            <a:pPr marL="228600" indent="-228600">
-              <a:lnSpc>
-                <a:spcPct val="90000"/>
-              </a:lnSpc>
-              <a:spcBef>
-                <a:spcPts val="1001"/>
-              </a:spcBef>
-              <a:buClr>
-                <a:srgbClr val="000000"/>
-              </a:buClr>
-              <a:buFont typeface="Arial"/>
-              <a:buChar char="•"/>
-            </a:pPr>
-            <a:endParaRPr lang="en-US" spc="-1" dirty="0">
-              <a:solidFill>
-                <a:srgbClr val="000000"/>
-              </a:solidFill>
-              <a:latin typeface="Calibri"/>
-            </a:endParaRPr>
-          </a:p>
-          <a:p>
-            <a:pPr marL="228600" indent="-228600">
-              <a:lnSpc>
-                <a:spcPct val="90000"/>
-              </a:lnSpc>
-              <a:spcBef>
-                <a:spcPts val="1001"/>
-              </a:spcBef>
-              <a:buClr>
-                <a:srgbClr val="000000"/>
-              </a:buClr>
-              <a:buFont typeface="Arial"/>
-              <a:buChar char="•"/>
-            </a:pPr>
-            <a:endParaRPr lang="en-US" sz="2800" b="0" strike="noStrike" spc="-1" dirty="0">
-              <a:solidFill>
-                <a:srgbClr val="000000"/>
-              </a:solidFill>
-              <a:latin typeface="Calibri"/>
-            </a:endParaRPr>
-          </a:p>
-          <a:p>
-            <a:pPr marL="228600" indent="-228600">
-              <a:lnSpc>
-                <a:spcPct val="90000"/>
-              </a:lnSpc>
-              <a:spcBef>
-                <a:spcPts val="1001"/>
-              </a:spcBef>
-              <a:buClr>
-                <a:srgbClr val="000000"/>
-              </a:buClr>
-              <a:buFont typeface="Arial"/>
-              <a:buChar char="•"/>
-            </a:pPr>
-            <a:endParaRPr lang="en-US" spc="-1" dirty="0">
-              <a:solidFill>
-                <a:srgbClr val="000000"/>
-              </a:solidFill>
-              <a:latin typeface="Calibri"/>
-            </a:endParaRPr>
-          </a:p>
-          <a:p>
-            <a:pPr>
-              <a:lnSpc>
-                <a:spcPct val="90000"/>
-              </a:lnSpc>
-              <a:spcBef>
-                <a:spcPts val="1001"/>
-              </a:spcBef>
-              <a:buNone/>
-            </a:pPr>
-            <a:endParaRPr lang="en-US" sz="2800" b="0" strike="noStrike" spc="-1" dirty="0">
-              <a:solidFill>
-                <a:srgbClr val="000000"/>
-              </a:solidFill>
-              <a:latin typeface="Calibri"/>
-            </a:endParaRPr>
-          </a:p>
-          <a:p>
-            <a:pPr>
-              <a:lnSpc>
-                <a:spcPct val="90000"/>
-              </a:lnSpc>
-              <a:spcBef>
-                <a:spcPts val="1001"/>
-              </a:spcBef>
-              <a:buNone/>
-            </a:pPr>
-            <a:endParaRPr lang="en-US" sz="2800" b="0" strike="noStrike" spc="-1" dirty="0">
-              <a:solidFill>
-                <a:srgbClr val="000000"/>
-              </a:solidFill>
-              <a:latin typeface="Calibri"/>
-            </a:endParaRPr>
-          </a:p>
-          <a:p>
-            <a:pPr>
-              <a:lnSpc>
-                <a:spcPct val="90000"/>
-              </a:lnSpc>
-              <a:spcBef>
-                <a:spcPts val="1001"/>
-              </a:spcBef>
-              <a:buNone/>
-            </a:pPr>
-            <a:endParaRPr lang="en-US" sz="2800" b="0" strike="noStrike" spc="-1" dirty="0">
-              <a:solidFill>
-                <a:srgbClr val="000000"/>
-              </a:solidFill>
-              <a:latin typeface="Calibri"/>
-            </a:endParaRPr>
-          </a:p>
-          <a:p>
-            <a:pPr>
-              <a:lnSpc>
-                <a:spcPct val="90000"/>
-              </a:lnSpc>
-              <a:spcBef>
-                <a:spcPts val="1001"/>
-              </a:spcBef>
-              <a:buNone/>
-            </a:pPr>
-            <a:endParaRPr lang="en-US" sz="2800" b="0" strike="noStrike" spc="-1" dirty="0">
-              <a:solidFill>
-                <a:srgbClr val="000000"/>
-              </a:solidFill>
-              <a:latin typeface="Calibri"/>
-            </a:endParaRPr>
-          </a:p>
-          <a:p>
-            <a:pPr>
-              <a:lnSpc>
-                <a:spcPct val="90000"/>
-              </a:lnSpc>
-              <a:spcBef>
-                <a:spcPts val="1001"/>
-              </a:spcBef>
-              <a:buNone/>
-            </a:pPr>
-            <a:endParaRPr lang="en-US" sz="2800" b="0" strike="noStrike" spc="-1" dirty="0">
-              <a:solidFill>
-                <a:srgbClr val="000000"/>
-              </a:solidFill>
-              <a:latin typeface="Calibri"/>
-            </a:endParaRPr>
-          </a:p>
-          <a:p>
-            <a:pPr>
-              <a:lnSpc>
-                <a:spcPct val="90000"/>
-              </a:lnSpc>
-              <a:spcBef>
-                <a:spcPts val="1001"/>
-              </a:spcBef>
-              <a:buNone/>
-            </a:pPr>
-            <a:endParaRPr lang="en-US" sz="2800" b="0" strike="noStrike" spc="-1" dirty="0">
-              <a:solidFill>
-                <a:srgbClr val="000000"/>
-              </a:solidFill>
-              <a:latin typeface="Calibri"/>
-            </a:endParaRPr>
-          </a:p>
-          <a:p>
-            <a:pPr>
-              <a:lnSpc>
-                <a:spcPct val="90000"/>
-              </a:lnSpc>
-              <a:spcBef>
-                <a:spcPts val="1001"/>
-              </a:spcBef>
-              <a:buNone/>
-            </a:pPr>
-            <a:endParaRPr lang="en-US" sz="2800" b="0" strike="noStrike" spc="-1" dirty="0">
-              <a:solidFill>
-                <a:srgbClr val="000000"/>
-              </a:solidFill>
-              <a:latin typeface="Calibri"/>
-            </a:endParaRPr>
-          </a:p>
-          <a:p>
-            <a:pPr>
-              <a:lnSpc>
-                <a:spcPct val="90000"/>
-              </a:lnSpc>
-              <a:spcBef>
-                <a:spcPts val="1001"/>
-              </a:spcBef>
-              <a:buNone/>
-              <a:tabLst>
-                <a:tab pos="0" algn="l"/>
-              </a:tabLst>
-            </a:pPr>
-            <a:endParaRPr lang="en-US" sz="2800" b="0" strike="noStrike" spc="-1" dirty="0">
-              <a:solidFill>
-                <a:srgbClr val="000000"/>
-              </a:solidFill>
-              <a:latin typeface="Calibri"/>
-            </a:endParaRPr>
-          </a:p>
-        </p:txBody>
-      </p:sp>
-      <p:sp>
-        <p:nvSpPr>
-          <p:cNvPr id="104" name="PlaceHolder 2"/>
-          <p:cNvSpPr>
-            <a:spLocks noGrp="1"/>
-          </p:cNvSpPr>
-          <p:nvPr>
-            <p:ph type="title"/>
-          </p:nvPr>
-        </p:nvSpPr>
-        <p:spPr>
-          <a:xfrm>
-            <a:off x="838080" y="365040"/>
-            <a:ext cx="10515240" cy="1325160"/>
-          </a:xfrm>
-          <a:prstGeom prst="rect">
-            <a:avLst/>
-          </a:prstGeom>
-          <a:noFill/>
-          <a:ln w="0">
-            <a:noFill/>
-          </a:ln>
-        </p:spPr>
-        <p:txBody>
-          <a:bodyPr anchor="ctr">
-            <a:noAutofit/>
-          </a:bodyPr>
-          <a:lstStyle/>
-          <a:p>
-            <a:pPr>
-              <a:lnSpc>
-                <a:spcPct val="90000"/>
-              </a:lnSpc>
-              <a:buNone/>
-            </a:pPr>
-            <a:r>
-              <a:rPr lang="en-US" sz="4400" b="0" strike="noStrike" spc="-1" dirty="0">
-                <a:solidFill>
-                  <a:srgbClr val="000000"/>
-                </a:solidFill>
-                <a:latin typeface="Calibri Light"/>
-              </a:rPr>
-              <a:t>RESULTS &amp; ANALYSIS</a:t>
-            </a:r>
-            <a:endParaRPr lang="en-US" sz="4400" b="0" strike="noStrike" spc="-1" dirty="0">
-              <a:solidFill>
-                <a:srgbClr val="000000"/>
-              </a:solidFill>
-              <a:latin typeface="Calibri"/>
-            </a:endParaRPr>
-          </a:p>
-        </p:txBody>
-      </p:sp>
-      <p:sp>
-        <p:nvSpPr>
-          <p:cNvPr id="105" name="Content Placeholder 2"/>
-          <p:cNvSpPr/>
-          <p:nvPr/>
-        </p:nvSpPr>
-        <p:spPr>
-          <a:xfrm>
-            <a:off x="0" y="6610680"/>
-            <a:ext cx="12191760" cy="246960"/>
-          </a:xfrm>
-          <a:prstGeom prst="rect">
-            <a:avLst/>
-          </a:prstGeom>
-          <a:noFill/>
-          <a:ln w="0">
-            <a:noFill/>
-          </a:ln>
-        </p:spPr>
-        <p:style>
-          <a:lnRef idx="0">
-            <a:scrgbClr r="0" g="0" b="0"/>
-          </a:lnRef>
-          <a:fillRef idx="0">
-            <a:scrgbClr r="0" g="0" b="0"/>
-          </a:fillRef>
-          <a:effectRef idx="0">
-            <a:scrgbClr r="0" g="0" b="0"/>
-          </a:effectRef>
-          <a:fontRef idx="minor"/>
-        </p:style>
-        <p:txBody>
-          <a:bodyPr anchor="t">
-            <a:normAutofit fontScale="95000" lnSpcReduction="10000"/>
-          </a:bodyPr>
-          <a:lstStyle/>
-          <a:p>
-            <a:pPr marL="0" indent="0">
-              <a:buNone/>
-            </a:pPr>
-            <a:r>
-              <a:rPr lang="en-US" sz="1200" dirty="0">
-                <a:latin typeface="Calibri" panose="020F0502020204030204" pitchFamily="34" charset="0"/>
-                <a:cs typeface="Calibri" panose="020F0502020204030204" pitchFamily="34" charset="0"/>
-              </a:rPr>
-              <a:t>Codes and files: </a:t>
-            </a:r>
-            <a:r>
-              <a:rPr lang="en-US" sz="1200" dirty="0">
-                <a:latin typeface="Calibri" panose="020F0502020204030204" pitchFamily="34" charset="0"/>
-                <a:cs typeface="Calibri" panose="020F0502020204030204" pitchFamily="34" charset="0"/>
-                <a:hlinkClick r:id="rId2"/>
-              </a:rPr>
-              <a:t>https://github.com/genvert/AP_157_FX-2_Vertudez/tree/main/Activity%205</a:t>
-            </a:r>
-            <a:endParaRPr lang="en-US" sz="1200" dirty="0">
-              <a:latin typeface="Calibri" panose="020F0502020204030204" pitchFamily="34" charset="0"/>
-              <a:cs typeface="Calibri" panose="020F0502020204030204" pitchFamily="34" charset="0"/>
-            </a:endParaRPr>
-          </a:p>
-        </p:txBody>
-      </p:sp>
-      <p:pic>
-        <p:nvPicPr>
-          <p:cNvPr id="3" name="Picture 2">
-            <a:extLst>
-              <a:ext uri="{FF2B5EF4-FFF2-40B4-BE49-F238E27FC236}">
-                <a16:creationId xmlns:a16="http://schemas.microsoft.com/office/drawing/2014/main" id="{CE1188CD-22D9-4D50-ABB9-38AF5D4214C0}"/>
-              </a:ext>
-            </a:extLst>
-          </p:cNvPr>
-          <p:cNvPicPr>
-            <a:picLocks noChangeAspect="1"/>
-          </p:cNvPicPr>
-          <p:nvPr/>
-        </p:nvPicPr>
-        <p:blipFill>
-          <a:blip r:embed="rId3">
-            <a:extLst>
-              <a:ext uri="{28A0092B-C50C-407E-A947-70E740481C1C}">
-                <a14:useLocalDpi xmlns:a14="http://schemas.microsoft.com/office/drawing/2010/main" val="0"/>
-              </a:ext>
-            </a:extLst>
-          </a:blip>
-          <a:stretch>
-            <a:fillRect/>
-          </a:stretch>
-        </p:blipFill>
-        <p:spPr>
-          <a:xfrm>
-            <a:off x="3166474" y="2339773"/>
-            <a:ext cx="5859051" cy="4021660"/>
-          </a:xfrm>
-          <a:prstGeom prst="rect">
-            <a:avLst/>
-          </a:prstGeom>
-        </p:spPr>
-      </p:pic>
-    </p:spTree>
-    <p:extLst>
-      <p:ext uri="{BB962C8B-B14F-4D97-AF65-F5344CB8AC3E}">
-        <p14:creationId xmlns:p14="http://schemas.microsoft.com/office/powerpoint/2010/main" val="29415743"/>
-      </p:ext>
-    </p:extLst>
-  </p:cSld>
-  <p:clrMapOvr>
-    <a:masterClrMapping/>
-  </p:clrMapOvr>
-</p:sld>
-</file>
-
-<file path=ppt/slides/slide13.xml><?xml version="1.0" encoding="utf-8"?>
-<p:sld xmlns:a="http://schemas.openxmlformats.org/drawingml/2006/main" xmlns:r="http://schemas.openxmlformats.org/officeDocument/2006/relationships" xmlns:p="http://schemas.openxmlformats.org/presentationml/2006/main">
-  <p:cSld>
-    <p:spTree>
-      <p:nvGrpSpPr>
-        <p:cNvPr id="1" name=""/>
-        <p:cNvGrpSpPr/>
-        <p:nvPr/>
-      </p:nvGrpSpPr>
-      <p:grpSpPr>
-        <a:xfrm>
-          <a:off x="0" y="0"/>
-          <a:ext cx="0" cy="0"/>
-          <a:chOff x="0" y="0"/>
-          <a:chExt cx="0" cy="0"/>
-        </a:xfrm>
-      </p:grpSpPr>
-      <p:sp>
-        <p:nvSpPr>
-          <p:cNvPr id="103" name="PlaceHolder 1"/>
-          <p:cNvSpPr>
-            <a:spLocks noGrp="1"/>
-          </p:cNvSpPr>
-          <p:nvPr>
-            <p:ph/>
-          </p:nvPr>
-        </p:nvSpPr>
-        <p:spPr>
-          <a:xfrm>
-            <a:off x="838080" y="1690560"/>
-            <a:ext cx="10515240" cy="5104080"/>
-          </a:xfrm>
-          <a:prstGeom prst="rect">
-            <a:avLst/>
-          </a:prstGeom>
-          <a:noFill/>
-          <a:ln w="0">
-            <a:noFill/>
-          </a:ln>
-        </p:spPr>
-        <p:txBody>
-          <a:bodyPr anchor="t">
-            <a:normAutofit/>
-          </a:bodyPr>
-          <a:lstStyle/>
-          <a:p>
-            <a:pPr marL="228600" indent="-228600" algn="l" rtl="0" eaLnBrk="1" latinLnBrk="0" hangingPunct="1">
-              <a:lnSpc>
-                <a:spcPct val="90000"/>
-              </a:lnSpc>
-              <a:spcBef>
-                <a:spcPts val="1001"/>
-              </a:spcBef>
-              <a:spcAft>
-                <a:spcPts val="0"/>
-              </a:spcAft>
-              <a:buClr>
-                <a:srgbClr val="000000"/>
-              </a:buClr>
-              <a:buSzPts val="2600"/>
-              <a:buFont typeface="Arial" panose="020B0604020202020204" pitchFamily="34" charset="0"/>
-              <a:buChar char="•"/>
-            </a:pPr>
-            <a:r>
-              <a:rPr lang="en-US" sz="2800" b="0" kern="1200" spc="-1" dirty="0">
-                <a:solidFill>
-                  <a:srgbClr val="000000"/>
-                </a:solidFill>
-                <a:effectLst/>
-                <a:latin typeface="Calibri" panose="020F0502020204030204" pitchFamily="34" charset="0"/>
-                <a:ea typeface="DejaVu Sans"/>
-                <a:cs typeface="DejaVu Sans"/>
-              </a:rPr>
-              <a:t>Actually, I know that my 4x4x4 has a side of about 60 mm, which sets each ‘cubie’ as we call it, to have about 15 mm. This can be confirmed since the extracted area of each ‘cubie’ ranges from about 200-220 mm^2, whose square root is about 14-15 mm.</a:t>
-            </a:r>
-          </a:p>
-          <a:p>
-            <a:pPr marL="228600" indent="-228600" algn="l" rtl="0" eaLnBrk="1" latinLnBrk="0" hangingPunct="1">
-              <a:lnSpc>
-                <a:spcPct val="90000"/>
-              </a:lnSpc>
-              <a:spcBef>
-                <a:spcPts val="1001"/>
-              </a:spcBef>
-              <a:spcAft>
-                <a:spcPts val="0"/>
-              </a:spcAft>
-              <a:buClr>
-                <a:srgbClr val="000000"/>
-              </a:buClr>
-              <a:buSzPts val="2600"/>
-              <a:buFont typeface="Arial" panose="020B0604020202020204" pitchFamily="34" charset="0"/>
-              <a:buChar char="•"/>
-            </a:pPr>
-            <a:r>
-              <a:rPr lang="en-US" spc="-1" dirty="0">
-                <a:solidFill>
-                  <a:srgbClr val="000000"/>
-                </a:solidFill>
-                <a:latin typeface="Calibri" panose="020F0502020204030204" pitchFamily="34" charset="0"/>
-              </a:rPr>
-              <a:t>Moreover, we see that the perimeter of each ‘cubie’ is about 60 mm, which, when divided by 4 (approximating each ‘cubie’ as a square), is about 15 mm as </a:t>
-            </a:r>
-            <a:r>
-              <a:rPr lang="en-US" spc="-1">
-                <a:solidFill>
-                  <a:srgbClr val="000000"/>
-                </a:solidFill>
-                <a:latin typeface="Calibri" panose="020F0502020204030204" pitchFamily="34" charset="0"/>
-              </a:rPr>
-              <a:t>well.</a:t>
-            </a:r>
-          </a:p>
-          <a:p>
-            <a:pPr marL="228600" indent="-228600" algn="l" rtl="0" eaLnBrk="1" latinLnBrk="0" hangingPunct="1">
-              <a:lnSpc>
-                <a:spcPct val="90000"/>
-              </a:lnSpc>
-              <a:spcBef>
-                <a:spcPts val="1001"/>
-              </a:spcBef>
-              <a:spcAft>
-                <a:spcPts val="0"/>
-              </a:spcAft>
-              <a:buClr>
-                <a:srgbClr val="000000"/>
-              </a:buClr>
-              <a:buSzPts val="2600"/>
-              <a:buFont typeface="Arial" panose="020B0604020202020204" pitchFamily="34" charset="0"/>
-              <a:buChar char="•"/>
-            </a:pPr>
-            <a:r>
-              <a:rPr lang="en-US" spc="-1">
-                <a:solidFill>
-                  <a:srgbClr val="000000"/>
-                </a:solidFill>
-                <a:latin typeface="Calibri" panose="020F0502020204030204" pitchFamily="34" charset="0"/>
-              </a:rPr>
-              <a:t>Amazing</a:t>
-            </a:r>
-            <a:r>
-              <a:rPr lang="en-US" spc="-1" dirty="0">
-                <a:solidFill>
-                  <a:srgbClr val="000000"/>
-                </a:solidFill>
-                <a:latin typeface="Calibri" panose="020F0502020204030204" pitchFamily="34" charset="0"/>
-              </a:rPr>
-              <a:t>!</a:t>
-            </a:r>
-            <a:endParaRPr lang="en-US" sz="2800" dirty="0">
-              <a:effectLst/>
-            </a:endParaRPr>
-          </a:p>
-          <a:p>
-            <a:pPr marL="0" indent="0">
-              <a:lnSpc>
-                <a:spcPct val="90000"/>
-              </a:lnSpc>
-              <a:spcBef>
-                <a:spcPts val="1001"/>
-              </a:spcBef>
-              <a:buClr>
-                <a:srgbClr val="000000"/>
-              </a:buClr>
-              <a:buNone/>
-            </a:pPr>
-            <a:endParaRPr lang="en-US" spc="-1" dirty="0">
-              <a:solidFill>
-                <a:srgbClr val="000000"/>
-              </a:solidFill>
-              <a:latin typeface="Calibri"/>
-            </a:endParaRPr>
-          </a:p>
-          <a:p>
-            <a:pPr marL="228600" indent="-228600">
-              <a:lnSpc>
-                <a:spcPct val="90000"/>
-              </a:lnSpc>
-              <a:spcBef>
-                <a:spcPts val="1001"/>
-              </a:spcBef>
-              <a:buClr>
-                <a:srgbClr val="000000"/>
-              </a:buClr>
-              <a:buFont typeface="Arial"/>
-              <a:buChar char="•"/>
-            </a:pPr>
-            <a:endParaRPr lang="en-US" sz="2800" b="0" strike="noStrike" spc="-1" dirty="0">
-              <a:solidFill>
-                <a:srgbClr val="000000"/>
-              </a:solidFill>
-              <a:latin typeface="Calibri"/>
-            </a:endParaRPr>
-          </a:p>
-          <a:p>
-            <a:pPr marL="228600" indent="-228600">
-              <a:lnSpc>
-                <a:spcPct val="90000"/>
-              </a:lnSpc>
-              <a:spcBef>
-                <a:spcPts val="1001"/>
-              </a:spcBef>
-              <a:buClr>
-                <a:srgbClr val="000000"/>
-              </a:buClr>
-              <a:buFont typeface="Arial"/>
-              <a:buChar char="•"/>
-            </a:pPr>
-            <a:endParaRPr lang="en-US" spc="-1" dirty="0">
-              <a:solidFill>
-                <a:srgbClr val="000000"/>
-              </a:solidFill>
-              <a:latin typeface="Calibri"/>
-            </a:endParaRPr>
-          </a:p>
-          <a:p>
-            <a:pPr marL="228600" indent="-228600">
-              <a:lnSpc>
-                <a:spcPct val="90000"/>
-              </a:lnSpc>
-              <a:spcBef>
-                <a:spcPts val="1001"/>
-              </a:spcBef>
-              <a:buClr>
-                <a:srgbClr val="000000"/>
-              </a:buClr>
-              <a:buFont typeface="Arial"/>
-              <a:buChar char="•"/>
-            </a:pPr>
-            <a:endParaRPr lang="en-US" sz="2800" b="0" strike="noStrike" spc="-1" dirty="0">
-              <a:solidFill>
-                <a:srgbClr val="000000"/>
-              </a:solidFill>
-              <a:latin typeface="Calibri"/>
-            </a:endParaRPr>
-          </a:p>
-          <a:p>
-            <a:pPr marL="228600" indent="-228600">
-              <a:lnSpc>
-                <a:spcPct val="90000"/>
-              </a:lnSpc>
-              <a:spcBef>
-                <a:spcPts val="1001"/>
-              </a:spcBef>
-              <a:buClr>
-                <a:srgbClr val="000000"/>
-              </a:buClr>
-              <a:buFont typeface="Arial"/>
-              <a:buChar char="•"/>
-            </a:pPr>
-            <a:endParaRPr lang="en-US" spc="-1" dirty="0">
-              <a:solidFill>
-                <a:srgbClr val="000000"/>
-              </a:solidFill>
-              <a:latin typeface="Calibri"/>
-            </a:endParaRPr>
-          </a:p>
-          <a:p>
-            <a:pPr marL="228600" indent="-228600">
-              <a:lnSpc>
-                <a:spcPct val="90000"/>
-              </a:lnSpc>
-              <a:spcBef>
-                <a:spcPts val="1001"/>
-              </a:spcBef>
-              <a:buClr>
-                <a:srgbClr val="000000"/>
-              </a:buClr>
-              <a:buFont typeface="Arial"/>
-              <a:buChar char="•"/>
-            </a:pPr>
-            <a:endParaRPr lang="en-US" sz="2800" b="0" strike="noStrike" spc="-1" dirty="0">
-              <a:solidFill>
-                <a:srgbClr val="000000"/>
-              </a:solidFill>
-              <a:latin typeface="Calibri"/>
-            </a:endParaRPr>
-          </a:p>
-          <a:p>
-            <a:pPr marL="228600" indent="-228600">
-              <a:lnSpc>
-                <a:spcPct val="90000"/>
-              </a:lnSpc>
-              <a:spcBef>
-                <a:spcPts val="1001"/>
-              </a:spcBef>
-              <a:buClr>
-                <a:srgbClr val="000000"/>
-              </a:buClr>
-              <a:buFont typeface="Arial"/>
-              <a:buChar char="•"/>
-            </a:pPr>
-            <a:endParaRPr lang="en-US" spc="-1" dirty="0">
-              <a:solidFill>
-                <a:srgbClr val="000000"/>
-              </a:solidFill>
-              <a:latin typeface="Calibri"/>
-            </a:endParaRPr>
-          </a:p>
-          <a:p>
-            <a:pPr>
-              <a:lnSpc>
-                <a:spcPct val="90000"/>
-              </a:lnSpc>
-              <a:spcBef>
-                <a:spcPts val="1001"/>
-              </a:spcBef>
-              <a:buNone/>
-            </a:pPr>
-            <a:endParaRPr lang="en-US" sz="2800" b="0" strike="noStrike" spc="-1" dirty="0">
-              <a:solidFill>
-                <a:srgbClr val="000000"/>
-              </a:solidFill>
-              <a:latin typeface="Calibri"/>
-            </a:endParaRPr>
-          </a:p>
-          <a:p>
-            <a:pPr>
-              <a:lnSpc>
-                <a:spcPct val="90000"/>
-              </a:lnSpc>
-              <a:spcBef>
-                <a:spcPts val="1001"/>
-              </a:spcBef>
-              <a:buNone/>
-            </a:pPr>
-            <a:endParaRPr lang="en-US" sz="2800" b="0" strike="noStrike" spc="-1" dirty="0">
-              <a:solidFill>
-                <a:srgbClr val="000000"/>
-              </a:solidFill>
-              <a:latin typeface="Calibri"/>
-            </a:endParaRPr>
-          </a:p>
-          <a:p>
-            <a:pPr>
-              <a:lnSpc>
-                <a:spcPct val="90000"/>
-              </a:lnSpc>
-              <a:spcBef>
-                <a:spcPts val="1001"/>
-              </a:spcBef>
-              <a:buNone/>
-            </a:pPr>
-            <a:endParaRPr lang="en-US" sz="2800" b="0" strike="noStrike" spc="-1" dirty="0">
-              <a:solidFill>
-                <a:srgbClr val="000000"/>
-              </a:solidFill>
-              <a:latin typeface="Calibri"/>
-            </a:endParaRPr>
-          </a:p>
-          <a:p>
-            <a:pPr>
-              <a:lnSpc>
-                <a:spcPct val="90000"/>
-              </a:lnSpc>
-              <a:spcBef>
-                <a:spcPts val="1001"/>
-              </a:spcBef>
-              <a:buNone/>
-            </a:pPr>
-            <a:endParaRPr lang="en-US" sz="2800" b="0" strike="noStrike" spc="-1" dirty="0">
-              <a:solidFill>
-                <a:srgbClr val="000000"/>
-              </a:solidFill>
-              <a:latin typeface="Calibri"/>
-            </a:endParaRPr>
-          </a:p>
-          <a:p>
-            <a:pPr>
-              <a:lnSpc>
-                <a:spcPct val="90000"/>
-              </a:lnSpc>
-              <a:spcBef>
-                <a:spcPts val="1001"/>
-              </a:spcBef>
-              <a:buNone/>
-            </a:pPr>
-            <a:endParaRPr lang="en-US" sz="2800" b="0" strike="noStrike" spc="-1" dirty="0">
-              <a:solidFill>
-                <a:srgbClr val="000000"/>
-              </a:solidFill>
-              <a:latin typeface="Calibri"/>
-            </a:endParaRPr>
-          </a:p>
-          <a:p>
-            <a:pPr>
-              <a:lnSpc>
-                <a:spcPct val="90000"/>
-              </a:lnSpc>
-              <a:spcBef>
-                <a:spcPts val="1001"/>
-              </a:spcBef>
-              <a:buNone/>
-            </a:pPr>
-            <a:endParaRPr lang="en-US" sz="2800" b="0" strike="noStrike" spc="-1" dirty="0">
-              <a:solidFill>
-                <a:srgbClr val="000000"/>
-              </a:solidFill>
-              <a:latin typeface="Calibri"/>
-            </a:endParaRPr>
-          </a:p>
-          <a:p>
-            <a:pPr>
-              <a:lnSpc>
-                <a:spcPct val="90000"/>
-              </a:lnSpc>
-              <a:spcBef>
-                <a:spcPts val="1001"/>
-              </a:spcBef>
-              <a:buNone/>
-            </a:pPr>
-            <a:endParaRPr lang="en-US" sz="2800" b="0" strike="noStrike" spc="-1" dirty="0">
-              <a:solidFill>
-                <a:srgbClr val="000000"/>
-              </a:solidFill>
-              <a:latin typeface="Calibri"/>
-            </a:endParaRPr>
-          </a:p>
-          <a:p>
-            <a:pPr>
-              <a:lnSpc>
-                <a:spcPct val="90000"/>
-              </a:lnSpc>
-              <a:spcBef>
-                <a:spcPts val="1001"/>
-              </a:spcBef>
-              <a:buNone/>
-              <a:tabLst>
-                <a:tab pos="0" algn="l"/>
-              </a:tabLst>
-            </a:pPr>
-            <a:endParaRPr lang="en-US" sz="2800" b="0" strike="noStrike" spc="-1" dirty="0">
-              <a:solidFill>
-                <a:srgbClr val="000000"/>
-              </a:solidFill>
-              <a:latin typeface="Calibri"/>
-            </a:endParaRPr>
-          </a:p>
-        </p:txBody>
-      </p:sp>
-      <p:sp>
-        <p:nvSpPr>
-          <p:cNvPr id="104" name="PlaceHolder 2"/>
-          <p:cNvSpPr>
-            <a:spLocks noGrp="1"/>
-          </p:cNvSpPr>
-          <p:nvPr>
-            <p:ph type="title"/>
-          </p:nvPr>
-        </p:nvSpPr>
-        <p:spPr>
-          <a:xfrm>
-            <a:off x="838080" y="365040"/>
-            <a:ext cx="10515240" cy="1325160"/>
-          </a:xfrm>
-          <a:prstGeom prst="rect">
-            <a:avLst/>
-          </a:prstGeom>
-          <a:noFill/>
-          <a:ln w="0">
-            <a:noFill/>
-          </a:ln>
-        </p:spPr>
-        <p:txBody>
-          <a:bodyPr anchor="ctr">
-            <a:noAutofit/>
-          </a:bodyPr>
-          <a:lstStyle/>
-          <a:p>
-            <a:pPr>
-              <a:lnSpc>
-                <a:spcPct val="90000"/>
-              </a:lnSpc>
-              <a:buNone/>
-            </a:pPr>
-            <a:r>
-              <a:rPr lang="en-US" sz="4400" b="0" strike="noStrike" spc="-1" dirty="0">
-                <a:solidFill>
-                  <a:srgbClr val="000000"/>
-                </a:solidFill>
-                <a:latin typeface="Calibri Light"/>
-              </a:rPr>
-              <a:t>RESULTS &amp; ANALYSIS</a:t>
-            </a:r>
-            <a:endParaRPr lang="en-US" sz="4400" b="0" strike="noStrike" spc="-1" dirty="0">
-              <a:solidFill>
-                <a:srgbClr val="000000"/>
-              </a:solidFill>
-              <a:latin typeface="Calibri"/>
-            </a:endParaRPr>
-          </a:p>
-        </p:txBody>
-      </p:sp>
-      <p:sp>
-        <p:nvSpPr>
-          <p:cNvPr id="105" name="Content Placeholder 2"/>
-          <p:cNvSpPr/>
-          <p:nvPr/>
-        </p:nvSpPr>
-        <p:spPr>
-          <a:xfrm>
-            <a:off x="0" y="6610680"/>
-            <a:ext cx="12191760" cy="246960"/>
-          </a:xfrm>
-          <a:prstGeom prst="rect">
-            <a:avLst/>
-          </a:prstGeom>
-          <a:noFill/>
-          <a:ln w="0">
-            <a:noFill/>
-          </a:ln>
-        </p:spPr>
-        <p:style>
-          <a:lnRef idx="0">
-            <a:scrgbClr r="0" g="0" b="0"/>
-          </a:lnRef>
-          <a:fillRef idx="0">
-            <a:scrgbClr r="0" g="0" b="0"/>
-          </a:fillRef>
-          <a:effectRef idx="0">
-            <a:scrgbClr r="0" g="0" b="0"/>
-          </a:effectRef>
-          <a:fontRef idx="minor"/>
-        </p:style>
-        <p:txBody>
-          <a:bodyPr anchor="t">
-            <a:normAutofit fontScale="95000" lnSpcReduction="10000"/>
-          </a:bodyPr>
-          <a:lstStyle/>
-          <a:p>
-            <a:pPr marL="0" indent="0">
-              <a:buNone/>
-            </a:pPr>
-            <a:r>
-              <a:rPr lang="en-US" sz="1200">
-                <a:latin typeface="Calibri" panose="020F0502020204030204" pitchFamily="34" charset="0"/>
-                <a:cs typeface="Calibri" panose="020F0502020204030204" pitchFamily="34" charset="0"/>
-              </a:rPr>
-              <a:t>Codes and files: </a:t>
-            </a:r>
-            <a:r>
-              <a:rPr lang="en-US" sz="1200">
-                <a:latin typeface="Calibri" panose="020F0502020204030204" pitchFamily="34" charset="0"/>
-                <a:cs typeface="Calibri" panose="020F0502020204030204" pitchFamily="34" charset="0"/>
-                <a:hlinkClick r:id="rId2"/>
-              </a:rPr>
-              <a:t>https://github.com/genvert/AP_157_FX-2_Vertudez/tree/main/Activity%205</a:t>
-            </a:r>
-            <a:endParaRPr lang="en-US" sz="1200" dirty="0">
-              <a:latin typeface="Calibri" panose="020F0502020204030204" pitchFamily="34" charset="0"/>
-              <a:cs typeface="Calibri" panose="020F0502020204030204" pitchFamily="34" charset="0"/>
-            </a:endParaRPr>
-          </a:p>
-        </p:txBody>
-      </p:sp>
-    </p:spTree>
-    <p:extLst>
-      <p:ext uri="{BB962C8B-B14F-4D97-AF65-F5344CB8AC3E}">
-        <p14:creationId xmlns:p14="http://schemas.microsoft.com/office/powerpoint/2010/main" val="3693483658"/>
-      </p:ext>
-    </p:extLst>
-  </p:cSld>
-  <p:clrMapOvr>
-    <a:masterClrMapping/>
-  </p:clrMapOvr>
-</p:sld>
-</file>
-
-<file path=ppt/slides/slide14.xml><?xml version="1.0" encoding="utf-8"?>
-<p:sld xmlns:a="http://schemas.openxmlformats.org/drawingml/2006/main" xmlns:r="http://schemas.openxmlformats.org/officeDocument/2006/relationships" xmlns:p="http://schemas.openxmlformats.org/presentationml/2006/main">
-  <p:cSld>
-    <p:spTree>
-      <p:nvGrpSpPr>
-        <p:cNvPr id="1" name=""/>
-        <p:cNvGrpSpPr/>
-        <p:nvPr/>
-      </p:nvGrpSpPr>
-      <p:grpSpPr>
-        <a:xfrm>
-          <a:off x="0" y="0"/>
-          <a:ext cx="0" cy="0"/>
-          <a:chOff x="0" y="0"/>
-          <a:chExt cx="0" cy="0"/>
-        </a:xfrm>
-      </p:grpSpPr>
-      <p:sp>
-        <p:nvSpPr>
-          <p:cNvPr id="109" name="PlaceHolder 1"/>
-          <p:cNvSpPr>
-            <a:spLocks noGrp="1"/>
-          </p:cNvSpPr>
-          <p:nvPr>
-            <p:ph type="title"/>
-          </p:nvPr>
-        </p:nvSpPr>
-        <p:spPr>
-          <a:xfrm>
-            <a:off x="838080" y="365040"/>
-            <a:ext cx="10515240" cy="1325160"/>
-          </a:xfrm>
-          <a:prstGeom prst="rect">
-            <a:avLst/>
-          </a:prstGeom>
-          <a:noFill/>
-          <a:ln w="0">
-            <a:noFill/>
-          </a:ln>
-        </p:spPr>
-        <p:txBody>
-          <a:bodyPr anchor="ctr">
-            <a:noAutofit/>
-          </a:bodyPr>
-          <a:lstStyle/>
-          <a:p>
-            <a:pPr>
-              <a:lnSpc>
-                <a:spcPct val="90000"/>
-              </a:lnSpc>
-              <a:buNone/>
-            </a:pPr>
-            <a:r>
-              <a:rPr lang="en-US" sz="4400" b="0" strike="noStrike" spc="-1" dirty="0">
-                <a:solidFill>
-                  <a:srgbClr val="000000"/>
-                </a:solidFill>
-                <a:latin typeface="Calibri Light"/>
-              </a:rPr>
-              <a:t>REFLECTION</a:t>
-            </a:r>
-            <a:endParaRPr lang="en-US" sz="4400" b="0" strike="noStrike" spc="-1" dirty="0">
-              <a:solidFill>
-                <a:srgbClr val="000000"/>
-              </a:solidFill>
-              <a:latin typeface="Calibri"/>
-            </a:endParaRPr>
-          </a:p>
-        </p:txBody>
-      </p:sp>
-      <p:sp>
-        <p:nvSpPr>
-          <p:cNvPr id="110" name="PlaceHolder 2"/>
-          <p:cNvSpPr>
-            <a:spLocks noGrp="1"/>
-          </p:cNvSpPr>
-          <p:nvPr>
-            <p:ph/>
-          </p:nvPr>
-        </p:nvSpPr>
-        <p:spPr>
-          <a:xfrm>
-            <a:off x="838080" y="1825560"/>
-            <a:ext cx="10515240" cy="4350960"/>
-          </a:xfrm>
-          <a:prstGeom prst="rect">
-            <a:avLst/>
-          </a:prstGeom>
-          <a:noFill/>
-          <a:ln w="0">
-            <a:noFill/>
-          </a:ln>
-        </p:spPr>
-        <p:txBody>
-          <a:bodyPr anchor="t">
-            <a:noAutofit/>
-          </a:bodyPr>
-          <a:lstStyle/>
-          <a:p>
-            <a:pPr marL="228600" indent="-228600">
-              <a:lnSpc>
-                <a:spcPct val="90000"/>
-              </a:lnSpc>
-              <a:spcBef>
-                <a:spcPts val="1001"/>
-              </a:spcBef>
-              <a:buClr>
-                <a:srgbClr val="000000"/>
-              </a:buClr>
-              <a:buFont typeface="Arial"/>
-              <a:buChar char="•"/>
-            </a:pPr>
-            <a:r>
-              <a:rPr lang="en-US" sz="2800" b="0" strike="noStrike" spc="-1" dirty="0">
-                <a:solidFill>
-                  <a:srgbClr val="000000"/>
-                </a:solidFill>
-                <a:latin typeface="Calibri"/>
-              </a:rPr>
-              <a:t>This activity was straightforward so I was able to follow it easily.</a:t>
-            </a:r>
-          </a:p>
-          <a:p>
-            <a:pPr marL="228600" indent="-228600">
-              <a:lnSpc>
-                <a:spcPct val="90000"/>
-              </a:lnSpc>
-              <a:spcBef>
-                <a:spcPts val="1001"/>
-              </a:spcBef>
-              <a:buClr>
-                <a:srgbClr val="000000"/>
-              </a:buClr>
-              <a:buFont typeface="Arial"/>
-              <a:buChar char="•"/>
-            </a:pPr>
-            <a:r>
-              <a:rPr lang="en-US" sz="2800" b="0" strike="noStrike" spc="-1" dirty="0">
-                <a:solidFill>
-                  <a:srgbClr val="000000"/>
-                </a:solidFill>
-                <a:latin typeface="Calibri"/>
-              </a:rPr>
-              <a:t>It is fun to recognize and understand the functions of different options in ImageJ based on our fundamental understandings of image processing. It is cool to know that you can do these manually with coding without the app.</a:t>
-            </a:r>
-          </a:p>
-          <a:p>
-            <a:pPr marL="228600" indent="-228600">
-              <a:lnSpc>
-                <a:spcPct val="90000"/>
-              </a:lnSpc>
-              <a:spcBef>
-                <a:spcPts val="1001"/>
-              </a:spcBef>
-              <a:buClr>
-                <a:srgbClr val="000000"/>
-              </a:buClr>
-              <a:buFont typeface="Arial"/>
-              <a:buChar char="•"/>
-            </a:pPr>
-            <a:r>
-              <a:rPr lang="en-US" sz="2800" b="0" strike="noStrike" spc="-1" dirty="0">
-                <a:solidFill>
-                  <a:srgbClr val="000000"/>
-                </a:solidFill>
-                <a:latin typeface="Calibri"/>
-              </a:rPr>
-              <a:t>I am grateful for this no-coding exercise. This is a breather exercise because I have been overwhelmed by coding lately.</a:t>
-            </a:r>
-          </a:p>
-        </p:txBody>
-      </p:sp>
-    </p:spTree>
-  </p:cSld>
-  <p:clrMapOvr>
-    <a:masterClrMapping/>
-  </p:clrMapOvr>
-</p:sld>
-</file>
-
-<file path=ppt/slides/slide15.xml><?xml version="1.0" encoding="utf-8"?>
-<p:sld xmlns:a="http://schemas.openxmlformats.org/drawingml/2006/main" xmlns:r="http://schemas.openxmlformats.org/officeDocument/2006/relationships" xmlns:p="http://schemas.openxmlformats.org/presentationml/2006/main">
-  <p:cSld>
-    <p:spTree>
-      <p:nvGrpSpPr>
-        <p:cNvPr id="1" name=""/>
-        <p:cNvGrpSpPr/>
-        <p:nvPr/>
-      </p:nvGrpSpPr>
-      <p:grpSpPr>
-        <a:xfrm>
-          <a:off x="0" y="0"/>
-          <a:ext cx="0" cy="0"/>
-          <a:chOff x="0" y="0"/>
-          <a:chExt cx="0" cy="0"/>
-        </a:xfrm>
-      </p:grpSpPr>
-      <p:sp>
-        <p:nvSpPr>
           <p:cNvPr id="109" name="PlaceHolder 1"/>
           <p:cNvSpPr>
             <a:spLocks noGrp="1"/>
@@ -9267,7 +7197,7 @@
                 </a:solidFill>
                 <a:latin typeface="Calibri"/>
               </a:rPr>
-              <a:t>am confident that I understood how to use ImageJ to extract feature from images, and have applied it.</a:t>
+              <a:t>am confident that I understood the difference between parametric and nonparametric segmentation.</a:t>
             </a:r>
           </a:p>
           <a:p>
@@ -9312,7 +7242,7 @@
                 </a:solidFill>
                 <a:latin typeface="Calibri"/>
               </a:rPr>
-              <a:t>I have explained each step, and images are clear and concise.</a:t>
+              <a:t>I have explained the theory and the steps on manually segmenting colors in images using Python. Distinction of the parts of the activity was clear.</a:t>
             </a:r>
           </a:p>
           <a:p>
@@ -9357,7 +7287,7 @@
                 </a:solidFill>
                 <a:latin typeface="Calibri"/>
               </a:rPr>
-              <a:t>Even though I was slacking in this subject for a while, I managed to get back on track. The topics are really fun and interesting. It helped me understand the ideas behind image tools such as smartphone cameras, Photoshop, etc.</a:t>
+              <a:t>This activity was fun. I struggled at first understanding how to obtain the Gaussian probability of each pixel and how to use it to tag the membership of pixels, and how to obtain the 2d histogram of the ROI and how to use it to tag membership as well. Eventually, I got them and segmenting images based on colors was fun.</a:t>
             </a:r>
           </a:p>
           <a:p>
@@ -9402,7 +7332,43 @@
                 </a:solidFill>
                 <a:latin typeface="Calibri"/>
               </a:rPr>
-              <a:t>I used an extra image for extraction.</a:t>
+              <a:t>I did every color in the Rubik’s. Plus, I took a nice photo of the </a:t>
+            </a:r>
+            <a:r>
+              <a:rPr lang="en-US" sz="2000" i="1" spc="-1" dirty="0" err="1">
+                <a:solidFill>
+                  <a:srgbClr val="000000"/>
+                </a:solidFill>
+                <a:latin typeface="Calibri"/>
+              </a:rPr>
+              <a:t>Dysdercus</a:t>
+            </a:r>
+            <a:r>
+              <a:rPr lang="en-US" sz="2000" i="1" spc="-1" dirty="0">
+                <a:solidFill>
+                  <a:srgbClr val="000000"/>
+                </a:solidFill>
+                <a:latin typeface="Calibri"/>
+              </a:rPr>
+              <a:t> </a:t>
+            </a:r>
+            <a:r>
+              <a:rPr lang="en-US" sz="2000" i="1" spc="-1" dirty="0" err="1">
+                <a:solidFill>
+                  <a:srgbClr val="000000"/>
+                </a:solidFill>
+                <a:latin typeface="Calibri"/>
+              </a:rPr>
+              <a:t>koenigii</a:t>
+            </a:r>
+            <a:r>
+              <a:rPr lang="en-US" sz="2000" spc="-1" dirty="0">
+                <a:solidFill>
+                  <a:srgbClr val="000000"/>
+                </a:solidFill>
+                <a:latin typeface="Calibri"/>
+              </a:rPr>
+              <a:t> and was able to isolate it in the image.</a:t>
             </a:r>
           </a:p>
         </p:txBody>
@@ -9539,7 +7505,7 @@
                 </a:solidFill>
                 <a:latin typeface="Calibri"/>
               </a:rPr>
-              <a:t>Use ImageJ to manipulate images and extract their features</a:t>
+              <a:t>Apply threshold to grayscale histogram to separate selections from the background</a:t>
             </a:r>
           </a:p>
           <a:p>
@@ -9557,14 +7523,119 @@
               <a:buChar char="•"/>
             </a:pPr>
             <a:r>
+              <a:rPr lang="en-US" spc="-1" dirty="0">
+                <a:solidFill>
+                  <a:srgbClr val="000000"/>
+                </a:solidFill>
+                <a:latin typeface="Calibri"/>
+              </a:rPr>
+              <a:t>Normalize an image</a:t>
+            </a:r>
+          </a:p>
+          <a:p>
+            <a:pPr marL="228600" indent="-228600">
+              <a:lnSpc>
+                <a:spcPct val="90000"/>
+              </a:lnSpc>
+              <a:spcBef>
+                <a:spcPts val="1001"/>
+              </a:spcBef>
+              <a:buClr>
+                <a:srgbClr val="000000"/>
+              </a:buClr>
+              <a:buFont typeface="Arial"/>
+              <a:buChar char="•"/>
+            </a:pPr>
+            <a:r>
+              <a:rPr lang="en-US" spc="-1" dirty="0">
+                <a:solidFill>
+                  <a:srgbClr val="000000"/>
+                </a:solidFill>
+                <a:latin typeface="Calibri"/>
+              </a:rPr>
+              <a:t>Obtain the normalized chromaticity coordinates of an image</a:t>
+            </a:r>
+          </a:p>
+          <a:p>
+            <a:pPr marL="228600" indent="-228600">
+              <a:lnSpc>
+                <a:spcPct val="90000"/>
+              </a:lnSpc>
+              <a:spcBef>
+                <a:spcPts val="1001"/>
+              </a:spcBef>
+              <a:buClr>
+                <a:srgbClr val="000000"/>
+              </a:buClr>
+              <a:buFont typeface="Arial"/>
+              <a:buChar char="•"/>
+            </a:pPr>
+            <a:r>
+              <a:rPr lang="en-US" spc="-1" dirty="0">
+                <a:solidFill>
+                  <a:srgbClr val="000000"/>
+                </a:solidFill>
+                <a:latin typeface="Calibri"/>
+              </a:rPr>
+              <a:t>Implement </a:t>
+            </a:r>
+            <a:r>
               <a:rPr lang="en-US" sz="2800" b="0" strike="noStrike" spc="-1" dirty="0">
                 <a:solidFill>
                   <a:srgbClr val="000000"/>
                 </a:solidFill>
                 <a:latin typeface="Calibri"/>
               </a:rPr>
-              <a:t>Apply threshold to grayscale histogram to separate objects from background</a:t>
+              <a:t>parametric segmentation to </a:t>
             </a:r>
+            <a:r>
+              <a:rPr lang="en-US" sz="2800" b="0" strike="noStrike" spc="-1">
+                <a:solidFill>
+                  <a:srgbClr val="000000"/>
+                </a:solidFill>
+                <a:latin typeface="Calibri"/>
+              </a:rPr>
+              <a:t>select chosen colors </a:t>
+            </a:r>
+            <a:r>
+              <a:rPr lang="en-US" sz="2800" b="0" strike="noStrike" spc="-1" dirty="0">
+                <a:solidFill>
+                  <a:srgbClr val="000000"/>
+                </a:solidFill>
+                <a:latin typeface="Calibri"/>
+              </a:rPr>
+              <a:t>in an image</a:t>
+            </a:r>
+          </a:p>
+          <a:p>
+            <a:pPr marL="228600" indent="-228600">
+              <a:lnSpc>
+                <a:spcPct val="90000"/>
+              </a:lnSpc>
+              <a:spcBef>
+                <a:spcPts val="1001"/>
+              </a:spcBef>
+              <a:buClr>
+                <a:srgbClr val="000000"/>
+              </a:buClr>
+              <a:buFont typeface="Arial"/>
+              <a:buChar char="•"/>
+            </a:pPr>
+            <a:r>
+              <a:rPr lang="en-US" spc="-1" dirty="0">
+                <a:solidFill>
+                  <a:srgbClr val="000000"/>
+                </a:solidFill>
+                <a:latin typeface="Calibri"/>
+              </a:rPr>
+              <a:t>Implement nonparametric segmentation to select chosen colors in an image</a:t>
+            </a:r>
+            <a:endParaRPr lang="en-US" sz="2800" b="0" strike="noStrike" spc="-1" dirty="0">
+              <a:solidFill>
+                <a:srgbClr val="000000"/>
+              </a:solidFill>
+              <a:latin typeface="Calibri"/>
+            </a:endParaRPr>
           </a:p>
         </p:txBody>
       </p:sp>
@@ -9595,14 +7666,18 @@
       </p:grpSpPr>
       <p:sp>
         <p:nvSpPr>
-          <p:cNvPr id="86" name="Content Placeholder 2"/>
-          <p:cNvSpPr/>
-          <p:nvPr/>
-        </p:nvSpPr>
-        <p:spPr>
-          <a:xfrm>
-            <a:off x="838080" y="1825560"/>
-            <a:ext cx="10515240" cy="4350960"/>
+          <p:cNvPr id="87" name="PlaceHolder 1"/>
+          <p:cNvSpPr>
+            <a:spLocks noGrp="1"/>
+          </p:cNvSpPr>
+          <p:nvPr>
+            <p:ph type="title"/>
+          </p:nvPr>
+        </p:nvSpPr>
+        <p:spPr>
+          <a:xfrm>
+            <a:off x="0" y="18900"/>
+            <a:ext cx="12191760" cy="1325160"/>
           </a:xfrm>
           <a:prstGeom prst="rect">
             <a:avLst/>
@@ -9612,156 +7687,28 @@
             <a:noFill/>
           </a:ln>
         </p:spPr>
-        <p:style>
-          <a:lnRef idx="0">
-            <a:scrgbClr r="0" g="0" b="0"/>
-          </a:lnRef>
-          <a:fillRef idx="0">
-            <a:scrgbClr r="0" g="0" b="0"/>
-          </a:fillRef>
-          <a:effectRef idx="0">
-            <a:scrgbClr r="0" g="0" b="0"/>
-          </a:effectRef>
-          <a:fontRef idx="minor"/>
-        </p:style>
-        <p:txBody>
-          <a:bodyPr anchor="t">
-            <a:normAutofit/>
-          </a:bodyPr>
-          <a:lstStyle/>
-          <a:p>
-            <a:pPr marL="228600" indent="-228600">
-              <a:lnSpc>
-                <a:spcPct val="90000"/>
-              </a:lnSpc>
-              <a:spcBef>
-                <a:spcPts val="1001"/>
-              </a:spcBef>
-              <a:buClr>
-                <a:srgbClr val="000000"/>
-              </a:buClr>
-              <a:buFont typeface="Arial"/>
-              <a:buChar char="•"/>
-            </a:pPr>
-            <a:r>
-              <a:rPr lang="en-US" sz="2800" b="0" strike="noStrike" spc="-1">
-                <a:solidFill>
-                  <a:srgbClr val="000000"/>
-                </a:solidFill>
-                <a:latin typeface="Calibri"/>
-              </a:rPr>
-              <a:t>Image of sand particles</a:t>
-            </a:r>
-            <a:endParaRPr lang="en-PH" sz="2800" b="0" strike="noStrike" spc="-1">
-              <a:latin typeface="Arial"/>
-            </a:endParaRPr>
-          </a:p>
-          <a:p>
-            <a:pPr>
-              <a:lnSpc>
-                <a:spcPct val="90000"/>
-              </a:lnSpc>
-              <a:spcBef>
-                <a:spcPts val="1001"/>
-              </a:spcBef>
-              <a:buNone/>
-            </a:pPr>
-            <a:endParaRPr lang="en-PH" sz="2800" b="0" strike="noStrike" spc="-1">
-              <a:latin typeface="Arial"/>
-            </a:endParaRPr>
-          </a:p>
-          <a:p>
-            <a:pPr>
-              <a:lnSpc>
-                <a:spcPct val="90000"/>
-              </a:lnSpc>
-              <a:spcBef>
-                <a:spcPts val="1001"/>
-              </a:spcBef>
-              <a:buNone/>
-            </a:pPr>
-            <a:endParaRPr lang="en-PH" sz="2800" b="0" strike="noStrike" spc="-1">
-              <a:latin typeface="Arial"/>
-            </a:endParaRPr>
-          </a:p>
-          <a:p>
-            <a:pPr>
-              <a:lnSpc>
-                <a:spcPct val="90000"/>
-              </a:lnSpc>
-              <a:spcBef>
-                <a:spcPts val="1001"/>
-              </a:spcBef>
-              <a:buNone/>
-            </a:pPr>
-            <a:endParaRPr lang="en-PH" sz="2800" b="0" strike="noStrike" spc="-1">
-              <a:latin typeface="Arial"/>
-            </a:endParaRPr>
-          </a:p>
-          <a:p>
-            <a:pPr>
-              <a:lnSpc>
-                <a:spcPct val="90000"/>
-              </a:lnSpc>
-              <a:spcBef>
-                <a:spcPts val="1001"/>
-              </a:spcBef>
-              <a:buNone/>
-              <a:tabLst>
-                <a:tab pos="0" algn="l"/>
-              </a:tabLst>
-            </a:pPr>
-            <a:endParaRPr lang="en-PH" sz="2800" b="0" strike="noStrike" spc="-1">
-              <a:latin typeface="Arial"/>
-            </a:endParaRPr>
-          </a:p>
-        </p:txBody>
-      </p:sp>
-      <p:sp>
-        <p:nvSpPr>
-          <p:cNvPr id="87" name="PlaceHolder 1"/>
-          <p:cNvSpPr>
-            <a:spLocks noGrp="1"/>
-          </p:cNvSpPr>
-          <p:nvPr>
-            <p:ph type="title"/>
-          </p:nvPr>
-        </p:nvSpPr>
-        <p:spPr>
-          <a:xfrm>
-            <a:off x="838080" y="365040"/>
-            <a:ext cx="10515240" cy="1325160"/>
-          </a:xfrm>
-          <a:prstGeom prst="rect">
-            <a:avLst/>
-          </a:prstGeom>
-          <a:noFill/>
-          <a:ln w="0">
-            <a:noFill/>
-          </a:ln>
-        </p:spPr>
         <p:txBody>
           <a:bodyPr anchor="ctr">
             <a:noAutofit/>
           </a:bodyPr>
           <a:lstStyle/>
           <a:p>
-            <a:pPr>
+            <a:pPr algn="ctr">
               <a:lnSpc>
                 <a:spcPct val="90000"/>
               </a:lnSpc>
               <a:buNone/>
             </a:pPr>
             <a:r>
-              <a:rPr lang="en-US" sz="4400" b="0" strike="noStrike" spc="-1">
+              <a:rPr lang="en-US" sz="4400" b="0" strike="noStrike" spc="-1" dirty="0">
                 <a:solidFill>
                   <a:srgbClr val="000000"/>
                 </a:solidFill>
                 <a:latin typeface="Calibri Light"/>
               </a:rPr>
-              <a:t>RESULTS &amp; ANALYSIS</a:t>
+              <a:t>GRAYSCALE HISTOGRAM THRESHOLDING</a:t>
             </a:r>
-            <a:endParaRPr lang="en-US" sz="4400" b="0" strike="noStrike" spc="-1">
+            <a:endParaRPr lang="en-US" sz="4400" b="0" strike="noStrike" spc="-1" dirty="0">
               <a:solidFill>
                 <a:srgbClr val="000000"/>
               </a:solidFill>
@@ -9834,25 +7781,146 @@
       </p:sp>
       <p:pic>
         <p:nvPicPr>
-          <p:cNvPr id="89" name="Content Placeholder 5"/>
-          <p:cNvPicPr/>
+          <p:cNvPr id="3" name="Picture 2" descr="A picture containing diagram, text, plot, line&#10;&#10;Description automatically generated">
+            <a:extLst>
+              <a:ext uri="{FF2B5EF4-FFF2-40B4-BE49-F238E27FC236}">
+                <a16:creationId xmlns:a16="http://schemas.microsoft.com/office/drawing/2014/main" id="{E9E7933D-B446-66A5-CCC6-3C6BB1ECCD1C}"/>
+              </a:ext>
+            </a:extLst>
+          </p:cNvPr>
+          <p:cNvPicPr>
+            <a:picLocks noChangeAspect="1"/>
+          </p:cNvPicPr>
           <p:nvPr/>
         </p:nvPicPr>
         <p:blipFill>
-          <a:blip r:embed="rId3"/>
-          <a:stretch/>
+          <a:blip r:embed="rId3">
+            <a:extLst>
+              <a:ext uri="{28A0092B-C50C-407E-A947-70E740481C1C}">
+                <a14:useLocalDpi xmlns:a14="http://schemas.microsoft.com/office/drawing/2010/main" val="0"/>
+              </a:ext>
+            </a:extLst>
+          </a:blip>
+          <a:stretch>
+            <a:fillRect/>
+          </a:stretch>
         </p:blipFill>
         <p:spPr>
           <a:xfrm>
-            <a:off x="4271760" y="2391840"/>
-            <a:ext cx="3647880" cy="3647880"/>
-          </a:xfrm>
-          <a:prstGeom prst="rect">
-            <a:avLst/>
-          </a:prstGeom>
-          <a:ln w="0">
-            <a:noFill/>
-          </a:ln>
+            <a:off x="411283" y="4129178"/>
+            <a:ext cx="3048354" cy="2286266"/>
+          </a:xfrm>
+          <a:prstGeom prst="rect">
+            <a:avLst/>
+          </a:prstGeom>
+        </p:spPr>
+      </p:pic>
+      <p:pic>
+        <p:nvPicPr>
+          <p:cNvPr id="5" name="Picture 4" descr="A close-up of a check&#10;&#10;Description automatically generated with medium confidence">
+            <a:extLst>
+              <a:ext uri="{FF2B5EF4-FFF2-40B4-BE49-F238E27FC236}">
+                <a16:creationId xmlns:a16="http://schemas.microsoft.com/office/drawing/2014/main" id="{49AEB3DD-F020-4DF6-BBE8-0FDB37CF5D1A}"/>
+              </a:ext>
+            </a:extLst>
+          </p:cNvPr>
+          <p:cNvPicPr>
+            <a:picLocks noChangeAspect="1"/>
+          </p:cNvPicPr>
+          <p:nvPr/>
+        </p:nvPicPr>
+        <p:blipFill>
+          <a:blip r:embed="rId4">
+            <a:extLst>
+              <a:ext uri="{28A0092B-C50C-407E-A947-70E740481C1C}">
+                <a14:useLocalDpi xmlns:a14="http://schemas.microsoft.com/office/drawing/2010/main" val="0"/>
+              </a:ext>
+            </a:extLst>
+          </a:blip>
+          <a:stretch>
+            <a:fillRect/>
+          </a:stretch>
+        </p:blipFill>
+        <p:spPr>
+          <a:xfrm>
+            <a:off x="4776785" y="4191379"/>
+            <a:ext cx="2993259" cy="973178"/>
+          </a:xfrm>
+          <a:prstGeom prst="rect">
+            <a:avLst/>
+          </a:prstGeom>
+        </p:spPr>
+      </p:pic>
+      <p:pic>
+        <p:nvPicPr>
+          <p:cNvPr id="7" name="Picture 6" descr="A picture containing text, font, handwriting, screenshot&#10;&#10;Description automatically generated">
+            <a:extLst>
+              <a:ext uri="{FF2B5EF4-FFF2-40B4-BE49-F238E27FC236}">
+                <a16:creationId xmlns:a16="http://schemas.microsoft.com/office/drawing/2014/main" id="{5FB2D9B6-17C3-915F-66AB-6D0AA4D439F1}"/>
+              </a:ext>
+            </a:extLst>
+          </p:cNvPr>
+          <p:cNvPicPr>
+            <a:picLocks noChangeAspect="1"/>
+          </p:cNvPicPr>
+          <p:nvPr/>
+        </p:nvPicPr>
+        <p:blipFill>
+          <a:blip r:embed="rId5">
+            <a:extLst>
+              <a:ext uri="{28A0092B-C50C-407E-A947-70E740481C1C}">
+                <a14:useLocalDpi xmlns:a14="http://schemas.microsoft.com/office/drawing/2010/main" val="0"/>
+              </a:ext>
+            </a:extLst>
+          </a:blip>
+          <a:stretch>
+            <a:fillRect/>
+          </a:stretch>
+        </p:blipFill>
+        <p:spPr>
+          <a:xfrm>
+            <a:off x="7521981" y="2258667"/>
+            <a:ext cx="2993259" cy="973178"/>
+          </a:xfrm>
+          <a:prstGeom prst="rect">
+            <a:avLst/>
+          </a:prstGeom>
+        </p:spPr>
+      </p:pic>
+      <p:pic>
+        <p:nvPicPr>
+          <p:cNvPr id="9" name="Picture 8" descr="A piece of paper with writing on it&#10;&#10;Description automatically generated with medium confidence">
+            <a:extLst>
+              <a:ext uri="{FF2B5EF4-FFF2-40B4-BE49-F238E27FC236}">
+                <a16:creationId xmlns:a16="http://schemas.microsoft.com/office/drawing/2014/main" id="{DCDC490F-CC84-5D29-CBF5-6849AA424316}"/>
+              </a:ext>
+            </a:extLst>
+          </p:cNvPr>
+          <p:cNvPicPr>
+            <a:picLocks noChangeAspect="1"/>
+          </p:cNvPicPr>
+          <p:nvPr/>
+        </p:nvPicPr>
+        <p:blipFill>
+          <a:blip r:embed="rId6">
+            <a:extLst>
+              <a:ext uri="{28A0092B-C50C-407E-A947-70E740481C1C}">
+                <a14:useLocalDpi xmlns:a14="http://schemas.microsoft.com/office/drawing/2010/main" val="0"/>
+              </a:ext>
+            </a:extLst>
+          </a:blip>
+          <a:stretch>
+            <a:fillRect/>
+          </a:stretch>
+        </p:blipFill>
+        <p:spPr>
+          <a:xfrm>
+            <a:off x="2575647" y="2340990"/>
+            <a:ext cx="3117971" cy="1013725"/>
+          </a:xfrm>
+          <a:prstGeom prst="rect">
+            <a:avLst/>
+          </a:prstGeom>
         </p:spPr>
       </p:pic>
     </p:spTree>
@@ -9882,7 +7950,7 @@
       </p:grpSpPr>
       <p:sp>
         <p:nvSpPr>
-          <p:cNvPr id="90" name="PlaceHolder 1"/>
+          <p:cNvPr id="87" name="PlaceHolder 1"/>
           <p:cNvSpPr>
             <a:spLocks noGrp="1"/>
           </p:cNvSpPr>
@@ -9892,8 +7960,8 @@
         </p:nvSpPr>
         <p:spPr>
           <a:xfrm>
-            <a:off x="838080" y="365040"/>
-            <a:ext cx="10515240" cy="1325160"/>
+            <a:off x="0" y="18900"/>
+            <a:ext cx="12191760" cy="1325160"/>
           </a:xfrm>
           <a:prstGeom prst="rect">
             <a:avLst/>
@@ -9909,22 +7977,22 @@
           </a:bodyPr>
           <a:lstStyle/>
           <a:p>
-            <a:pPr>
+            <a:pPr algn="ctr">
               <a:lnSpc>
                 <a:spcPct val="90000"/>
               </a:lnSpc>
               <a:buNone/>
             </a:pPr>
             <a:r>
-              <a:rPr lang="en-US" sz="4400" b="0" strike="noStrike" spc="-1">
+              <a:rPr lang="en-US" sz="4400" b="0" strike="noStrike" spc="-1" dirty="0">
                 <a:solidFill>
                   <a:srgbClr val="000000"/>
                 </a:solidFill>
                 <a:latin typeface="Calibri Light"/>
               </a:rPr>
-              <a:t>RESULTS &amp; ANALYSIS</a:t>
+              <a:t>NORMALIZED CHROMATICITY COORDINATES</a:t>
             </a:r>
-            <a:endParaRPr lang="en-US" sz="4400" b="0" strike="noStrike" spc="-1">
+            <a:endParaRPr lang="en-US" sz="4400" b="0" strike="noStrike" spc="-1" dirty="0">
               <a:solidFill>
                 <a:srgbClr val="000000"/>
               </a:solidFill>
@@ -9935,221 +8003,7 @@
       </p:sp>
       <p:sp>
         <p:nvSpPr>
-          <p:cNvPr id="91" name="PlaceHolder 2"/>
-          <p:cNvSpPr>
-            <a:spLocks noGrp="1"/>
-          </p:cNvSpPr>
-          <p:nvPr>
-            <p:ph/>
-          </p:nvPr>
-        </p:nvSpPr>
-        <p:spPr>
-          <a:xfrm>
-            <a:off x="901800" y="1397880"/>
-            <a:ext cx="10515240" cy="5262120"/>
-          </a:xfrm>
-          <a:prstGeom prst="rect">
-            <a:avLst/>
-          </a:prstGeom>
-          <a:noFill/>
-          <a:ln w="0">
-            <a:noFill/>
-          </a:ln>
-        </p:spPr>
-        <p:txBody>
-          <a:bodyPr anchor="t">
-            <a:normAutofit fontScale="96000" lnSpcReduction="10000"/>
-          </a:bodyPr>
-          <a:lstStyle/>
-          <a:p>
-            <a:pPr marL="228600" indent="-228600">
-              <a:lnSpc>
-                <a:spcPct val="90000"/>
-              </a:lnSpc>
-              <a:spcBef>
-                <a:spcPts val="1001"/>
-              </a:spcBef>
-              <a:buClr>
-                <a:srgbClr val="000000"/>
-              </a:buClr>
-              <a:buFont typeface="Arial"/>
-              <a:buChar char="•"/>
-            </a:pPr>
-            <a:r>
-              <a:rPr lang="en-US" sz="2800" b="0" strike="noStrike" spc="-1">
-                <a:solidFill>
-                  <a:srgbClr val="000000"/>
-                </a:solidFill>
-                <a:latin typeface="Calibri"/>
-              </a:rPr>
-              <a:t>Setting scale</a:t>
-            </a:r>
-          </a:p>
-          <a:p>
-            <a:pPr>
-              <a:lnSpc>
-                <a:spcPct val="90000"/>
-              </a:lnSpc>
-              <a:spcBef>
-                <a:spcPts val="1001"/>
-              </a:spcBef>
-              <a:buNone/>
-            </a:pPr>
-            <a:endParaRPr lang="en-US" sz="2800" b="0" strike="noStrike" spc="-1">
-              <a:solidFill>
-                <a:srgbClr val="000000"/>
-              </a:solidFill>
-              <a:latin typeface="Calibri"/>
-            </a:endParaRPr>
-          </a:p>
-          <a:p>
-            <a:pPr>
-              <a:lnSpc>
-                <a:spcPct val="90000"/>
-              </a:lnSpc>
-              <a:spcBef>
-                <a:spcPts val="1001"/>
-              </a:spcBef>
-              <a:buNone/>
-            </a:pPr>
-            <a:endParaRPr lang="en-US" sz="2800" b="0" strike="noStrike" spc="-1">
-              <a:solidFill>
-                <a:srgbClr val="000000"/>
-              </a:solidFill>
-              <a:latin typeface="Calibri"/>
-            </a:endParaRPr>
-          </a:p>
-          <a:p>
-            <a:pPr>
-              <a:lnSpc>
-                <a:spcPct val="90000"/>
-              </a:lnSpc>
-              <a:spcBef>
-                <a:spcPts val="1001"/>
-              </a:spcBef>
-              <a:buNone/>
-            </a:pPr>
-            <a:endParaRPr lang="en-US" sz="2800" b="0" strike="noStrike" spc="-1">
-              <a:solidFill>
-                <a:srgbClr val="000000"/>
-              </a:solidFill>
-              <a:latin typeface="Calibri"/>
-            </a:endParaRPr>
-          </a:p>
-          <a:p>
-            <a:pPr>
-              <a:lnSpc>
-                <a:spcPct val="90000"/>
-              </a:lnSpc>
-              <a:spcBef>
-                <a:spcPts val="1001"/>
-              </a:spcBef>
-              <a:buNone/>
-            </a:pPr>
-            <a:endParaRPr lang="en-US" sz="2800" b="0" strike="noStrike" spc="-1">
-              <a:solidFill>
-                <a:srgbClr val="000000"/>
-              </a:solidFill>
-              <a:latin typeface="Calibri"/>
-            </a:endParaRPr>
-          </a:p>
-          <a:p>
-            <a:pPr>
-              <a:lnSpc>
-                <a:spcPct val="90000"/>
-              </a:lnSpc>
-              <a:spcBef>
-                <a:spcPts val="1001"/>
-              </a:spcBef>
-              <a:buNone/>
-            </a:pPr>
-            <a:endParaRPr lang="en-US" sz="2800" b="0" strike="noStrike" spc="-1">
-              <a:solidFill>
-                <a:srgbClr val="000000"/>
-              </a:solidFill>
-              <a:latin typeface="Calibri"/>
-            </a:endParaRPr>
-          </a:p>
-          <a:p>
-            <a:pPr>
-              <a:lnSpc>
-                <a:spcPct val="90000"/>
-              </a:lnSpc>
-              <a:spcBef>
-                <a:spcPts val="1001"/>
-              </a:spcBef>
-              <a:buNone/>
-            </a:pPr>
-            <a:endParaRPr lang="en-US" sz="2800" b="0" strike="noStrike" spc="-1">
-              <a:solidFill>
-                <a:srgbClr val="000000"/>
-              </a:solidFill>
-              <a:latin typeface="Calibri"/>
-            </a:endParaRPr>
-          </a:p>
-          <a:p>
-            <a:pPr>
-              <a:lnSpc>
-                <a:spcPct val="90000"/>
-              </a:lnSpc>
-              <a:spcBef>
-                <a:spcPts val="1001"/>
-              </a:spcBef>
-              <a:buNone/>
-            </a:pPr>
-            <a:endParaRPr lang="en-US" sz="2800" b="0" strike="noStrike" spc="-1">
-              <a:solidFill>
-                <a:srgbClr val="000000"/>
-              </a:solidFill>
-              <a:latin typeface="Calibri"/>
-            </a:endParaRPr>
-          </a:p>
-          <a:p>
-            <a:pPr>
-              <a:lnSpc>
-                <a:spcPct val="90000"/>
-              </a:lnSpc>
-              <a:spcBef>
-                <a:spcPts val="1001"/>
-              </a:spcBef>
-              <a:buNone/>
-            </a:pPr>
-            <a:endParaRPr lang="en-US" sz="2800" b="0" strike="noStrike" spc="-1">
-              <a:solidFill>
-                <a:srgbClr val="000000"/>
-              </a:solidFill>
-              <a:latin typeface="Calibri"/>
-            </a:endParaRPr>
-          </a:p>
-          <a:p>
-            <a:pPr marL="228600" indent="-228600">
-              <a:lnSpc>
-                <a:spcPct val="90000"/>
-              </a:lnSpc>
-              <a:spcBef>
-                <a:spcPts val="1001"/>
-              </a:spcBef>
-              <a:buClr>
-                <a:srgbClr val="000000"/>
-              </a:buClr>
-              <a:buFont typeface="Arial"/>
-              <a:buChar char="•"/>
-            </a:pPr>
-            <a:r>
-              <a:rPr lang="en-US" sz="2800" b="0" strike="noStrike" spc="-1">
-                <a:solidFill>
-                  <a:srgbClr val="000000"/>
-                </a:solidFill>
-                <a:latin typeface="Calibri"/>
-              </a:rPr>
-              <a:t>I just set an arbitrary scale as instructed. I used 10 units for about the same distance in the cell example.</a:t>
-            </a:r>
-          </a:p>
-        </p:txBody>
-      </p:sp>
-      <p:sp>
-        <p:nvSpPr>
-          <p:cNvPr id="92" name="Content Placeholder 2"/>
+          <p:cNvPr id="88" name="Content Placeholder 2"/>
           <p:cNvSpPr/>
           <p:nvPr/>
         </p:nvSpPr>
@@ -10211,28 +8065,118 @@
       </p:sp>
       <p:pic>
         <p:nvPicPr>
-          <p:cNvPr id="93" name="Picture 11"/>
-          <p:cNvPicPr/>
+          <p:cNvPr id="8" name="Picture 7" descr="A picture containing text, map, line, diagram&#10;&#10;Description automatically generated">
+            <a:extLst>
+              <a:ext uri="{FF2B5EF4-FFF2-40B4-BE49-F238E27FC236}">
+                <a16:creationId xmlns:a16="http://schemas.microsoft.com/office/drawing/2014/main" id="{6F16956F-81C6-5B27-7F2C-D415685D086B}"/>
+              </a:ext>
+            </a:extLst>
+          </p:cNvPr>
+          <p:cNvPicPr>
+            <a:picLocks noChangeAspect="1"/>
+          </p:cNvPicPr>
           <p:nvPr/>
         </p:nvPicPr>
         <p:blipFill>
-          <a:blip r:embed="rId3"/>
-          <a:stretch/>
+          <a:blip r:embed="rId3">
+            <a:extLst>
+              <a:ext uri="{28A0092B-C50C-407E-A947-70E740481C1C}">
+                <a14:useLocalDpi xmlns:a14="http://schemas.microsoft.com/office/drawing/2010/main" val="0"/>
+              </a:ext>
+            </a:extLst>
+          </a:blip>
+          <a:stretch>
+            <a:fillRect/>
+          </a:stretch>
         </p:blipFill>
         <p:spPr>
           <a:xfrm>
-            <a:off x="3494160" y="1690560"/>
-            <a:ext cx="5203080" cy="3954600"/>
-          </a:xfrm>
-          <a:prstGeom prst="rect">
-            <a:avLst/>
-          </a:prstGeom>
-          <a:ln w="0">
-            <a:noFill/>
-          </a:ln>
+            <a:off x="4918124" y="1624948"/>
+            <a:ext cx="3851949" cy="2888962"/>
+          </a:xfrm>
+          <a:prstGeom prst="rect">
+            <a:avLst/>
+          </a:prstGeom>
+        </p:spPr>
+      </p:pic>
+      <p:pic>
+        <p:nvPicPr>
+          <p:cNvPr id="11" name="Picture 10" descr="A picture containing screenshot, square, colorfulness&#10;&#10;Description automatically generated">
+            <a:extLst>
+              <a:ext uri="{FF2B5EF4-FFF2-40B4-BE49-F238E27FC236}">
+                <a16:creationId xmlns:a16="http://schemas.microsoft.com/office/drawing/2014/main" id="{9AA7BE3D-133F-B41E-0199-45B1CDF0D5C9}"/>
+              </a:ext>
+            </a:extLst>
+          </p:cNvPr>
+          <p:cNvPicPr>
+            <a:picLocks noChangeAspect="1"/>
+          </p:cNvPicPr>
+          <p:nvPr/>
+        </p:nvPicPr>
+        <p:blipFill>
+          <a:blip r:embed="rId4">
+            <a:extLst>
+              <a:ext uri="{28A0092B-C50C-407E-A947-70E740481C1C}">
+                <a14:useLocalDpi xmlns:a14="http://schemas.microsoft.com/office/drawing/2010/main" val="0"/>
+              </a:ext>
+            </a:extLst>
+          </a:blip>
+          <a:stretch>
+            <a:fillRect/>
+          </a:stretch>
+        </p:blipFill>
+        <p:spPr>
+          <a:xfrm>
+            <a:off x="6642011" y="4124665"/>
+            <a:ext cx="5466670" cy="2733335"/>
+          </a:xfrm>
+          <a:prstGeom prst="rect">
+            <a:avLst/>
+          </a:prstGeom>
+        </p:spPr>
+      </p:pic>
+      <p:pic>
+        <p:nvPicPr>
+          <p:cNvPr id="13" name="Picture 12" descr="A picture containing screenshot, text, colorfulness, plot&#10;&#10;Description automatically generated">
+            <a:extLst>
+              <a:ext uri="{FF2B5EF4-FFF2-40B4-BE49-F238E27FC236}">
+                <a16:creationId xmlns:a16="http://schemas.microsoft.com/office/drawing/2014/main" id="{78EF58E9-A693-0799-9A31-0BCD5494EFA0}"/>
+              </a:ext>
+            </a:extLst>
+          </p:cNvPr>
+          <p:cNvPicPr>
+            <a:picLocks noChangeAspect="1"/>
+          </p:cNvPicPr>
+          <p:nvPr/>
+        </p:nvPicPr>
+        <p:blipFill>
+          <a:blip r:embed="rId5" cstate="print">
+            <a:extLst>
+              <a:ext uri="{28A0092B-C50C-407E-A947-70E740481C1C}">
+                <a14:useLocalDpi xmlns:a14="http://schemas.microsoft.com/office/drawing/2010/main" val="0"/>
+              </a:ext>
+            </a:extLst>
+          </a:blip>
+          <a:stretch>
+            <a:fillRect/>
+          </a:stretch>
+        </p:blipFill>
+        <p:spPr>
+          <a:xfrm>
+            <a:off x="1151504" y="2721273"/>
+            <a:ext cx="2270425" cy="2230026"/>
+          </a:xfrm>
+          <a:prstGeom prst="rect">
+            <a:avLst/>
+          </a:prstGeom>
         </p:spPr>
       </p:pic>
     </p:spTree>
+    <p:extLst>
+      <p:ext uri="{BB962C8B-B14F-4D97-AF65-F5344CB8AC3E}">
+        <p14:creationId xmlns:p14="http://schemas.microsoft.com/office/powerpoint/2010/main" val="980430220"/>
+      </p:ext>
+    </p:extLst>
   </p:cSld>
   <p:clrMapOvr>
     <a:masterClrMapping/>
@@ -10259,18 +8203,18 @@
       </p:grpSpPr>
       <p:sp>
         <p:nvSpPr>
-          <p:cNvPr id="94" name="PlaceHolder 1"/>
-          <p:cNvSpPr>
-            <a:spLocks noGrp="1"/>
-          </p:cNvSpPr>
-          <p:nvPr>
-            <p:ph/>
-          </p:nvPr>
-        </p:nvSpPr>
-        <p:spPr>
-          <a:xfrm>
-            <a:off x="838080" y="1825560"/>
-            <a:ext cx="10515240" cy="4350960"/>
+          <p:cNvPr id="87" name="PlaceHolder 1"/>
+          <p:cNvSpPr>
+            <a:spLocks noGrp="1"/>
+          </p:cNvSpPr>
+          <p:nvPr>
+            <p:ph type="title"/>
+          </p:nvPr>
+        </p:nvSpPr>
+        <p:spPr>
+          <a:xfrm>
+            <a:off x="0" y="18900"/>
+            <a:ext cx="12191760" cy="1325160"/>
           </a:xfrm>
           <a:prstGeom prst="rect">
             <a:avLst/>
@@ -10281,224 +8225,27 @@
           </a:ln>
         </p:spPr>
         <p:txBody>
-          <a:bodyPr anchor="t">
-            <a:normAutofit fontScale="94000"/>
-          </a:bodyPr>
-          <a:lstStyle/>
-          <a:p>
-            <a:pPr marL="228600" indent="-228600">
-              <a:lnSpc>
-                <a:spcPct val="90000"/>
-              </a:lnSpc>
-              <a:spcBef>
-                <a:spcPts val="1001"/>
-              </a:spcBef>
-              <a:buClr>
-                <a:srgbClr val="000000"/>
-              </a:buClr>
-              <a:buFont typeface="Arial"/>
-              <a:buChar char="•"/>
-            </a:pPr>
-            <a:r>
-              <a:rPr lang="en-US" sz="2800" b="0" strike="noStrike" spc="-1">
-                <a:solidFill>
-                  <a:srgbClr val="000000"/>
-                </a:solidFill>
-                <a:latin typeface="Calibri"/>
-              </a:rPr>
-              <a:t>Converting to 8-bit</a:t>
-            </a:r>
-          </a:p>
-          <a:p>
-            <a:pPr>
-              <a:lnSpc>
-                <a:spcPct val="90000"/>
-              </a:lnSpc>
-              <a:spcBef>
-                <a:spcPts val="1001"/>
-              </a:spcBef>
-              <a:buNone/>
-            </a:pPr>
-            <a:endParaRPr lang="en-US" sz="2800" b="0" strike="noStrike" spc="-1">
-              <a:solidFill>
-                <a:srgbClr val="000000"/>
-              </a:solidFill>
-              <a:latin typeface="Calibri"/>
-            </a:endParaRPr>
-          </a:p>
-          <a:p>
-            <a:pPr>
-              <a:lnSpc>
-                <a:spcPct val="90000"/>
-              </a:lnSpc>
-              <a:spcBef>
-                <a:spcPts val="1001"/>
-              </a:spcBef>
-              <a:buNone/>
-            </a:pPr>
-            <a:endParaRPr lang="en-US" sz="2800" b="0" strike="noStrike" spc="-1">
-              <a:solidFill>
-                <a:srgbClr val="000000"/>
-              </a:solidFill>
-              <a:latin typeface="Calibri"/>
-            </a:endParaRPr>
-          </a:p>
-          <a:p>
-            <a:pPr>
-              <a:lnSpc>
-                <a:spcPct val="90000"/>
-              </a:lnSpc>
-              <a:spcBef>
-                <a:spcPts val="1001"/>
-              </a:spcBef>
-              <a:buNone/>
-            </a:pPr>
-            <a:endParaRPr lang="en-US" sz="2800" b="0" strike="noStrike" spc="-1">
-              <a:solidFill>
-                <a:srgbClr val="000000"/>
-              </a:solidFill>
-              <a:latin typeface="Calibri"/>
-            </a:endParaRPr>
-          </a:p>
-          <a:p>
-            <a:pPr>
-              <a:lnSpc>
-                <a:spcPct val="90000"/>
-              </a:lnSpc>
-              <a:spcBef>
-                <a:spcPts val="1001"/>
-              </a:spcBef>
-              <a:buNone/>
-            </a:pPr>
-            <a:endParaRPr lang="en-US" sz="2800" b="0" strike="noStrike" spc="-1">
-              <a:solidFill>
-                <a:srgbClr val="000000"/>
-              </a:solidFill>
-              <a:latin typeface="Calibri"/>
-            </a:endParaRPr>
-          </a:p>
-          <a:p>
-            <a:pPr>
-              <a:lnSpc>
-                <a:spcPct val="90000"/>
-              </a:lnSpc>
-              <a:spcBef>
-                <a:spcPts val="1001"/>
-              </a:spcBef>
-              <a:buNone/>
-            </a:pPr>
-            <a:endParaRPr lang="en-US" sz="2800" b="0" strike="noStrike" spc="-1">
-              <a:solidFill>
-                <a:srgbClr val="000000"/>
-              </a:solidFill>
-              <a:latin typeface="Calibri"/>
-            </a:endParaRPr>
-          </a:p>
-          <a:p>
-            <a:pPr>
-              <a:lnSpc>
-                <a:spcPct val="90000"/>
-              </a:lnSpc>
-              <a:spcBef>
-                <a:spcPts val="1001"/>
-              </a:spcBef>
-              <a:buNone/>
-            </a:pPr>
-            <a:endParaRPr lang="en-US" sz="2800" b="0" strike="noStrike" spc="-1">
-              <a:solidFill>
-                <a:srgbClr val="000000"/>
-              </a:solidFill>
-              <a:latin typeface="Calibri"/>
-            </a:endParaRPr>
-          </a:p>
-          <a:p>
-            <a:pPr>
-              <a:lnSpc>
-                <a:spcPct val="90000"/>
-              </a:lnSpc>
-              <a:spcBef>
-                <a:spcPts val="1001"/>
-              </a:spcBef>
-              <a:buNone/>
-            </a:pPr>
-            <a:endParaRPr lang="en-US" sz="2800" b="0" strike="noStrike" spc="-1">
-              <a:solidFill>
-                <a:srgbClr val="000000"/>
-              </a:solidFill>
-              <a:latin typeface="Calibri"/>
-            </a:endParaRPr>
-          </a:p>
-          <a:p>
-            <a:pPr marL="228600" indent="-228600">
-              <a:lnSpc>
-                <a:spcPct val="90000"/>
-              </a:lnSpc>
-              <a:spcBef>
-                <a:spcPts val="1001"/>
-              </a:spcBef>
-              <a:buClr>
-                <a:srgbClr val="000000"/>
-              </a:buClr>
-              <a:buFont typeface="Arial"/>
-              <a:buChar char="•"/>
-            </a:pPr>
-            <a:r>
-              <a:rPr lang="en-US" sz="2800" b="0" strike="noStrike" spc="-1">
-                <a:solidFill>
-                  <a:srgbClr val="000000"/>
-                </a:solidFill>
-                <a:latin typeface="Calibri"/>
-              </a:rPr>
-              <a:t>Applying threshold only works on grayscale images, so we convert it first.</a:t>
-            </a:r>
-          </a:p>
-        </p:txBody>
-      </p:sp>
-      <p:sp>
-        <p:nvSpPr>
-          <p:cNvPr id="95" name="PlaceHolder 2"/>
-          <p:cNvSpPr>
-            <a:spLocks noGrp="1"/>
-          </p:cNvSpPr>
-          <p:nvPr>
-            <p:ph type="title"/>
-          </p:nvPr>
-        </p:nvSpPr>
-        <p:spPr>
-          <a:xfrm>
-            <a:off x="838080" y="365040"/>
-            <a:ext cx="10515240" cy="1325160"/>
-          </a:xfrm>
-          <a:prstGeom prst="rect">
-            <a:avLst/>
-          </a:prstGeom>
-          <a:noFill/>
-          <a:ln w="0">
-            <a:noFill/>
-          </a:ln>
-        </p:spPr>
-        <p:txBody>
           <a:bodyPr anchor="ctr">
             <a:noAutofit/>
           </a:bodyPr>
           <a:lstStyle/>
           <a:p>
-            <a:pPr>
+            <a:pPr algn="ctr">
               <a:lnSpc>
                 <a:spcPct val="90000"/>
               </a:lnSpc>
               <a:buNone/>
             </a:pPr>
             <a:r>
-              <a:rPr lang="en-US" sz="4400" b="0" strike="noStrike" spc="-1">
+              <a:rPr lang="en-US" sz="4400" b="0" strike="noStrike" spc="-1" dirty="0">
                 <a:solidFill>
                   <a:srgbClr val="000000"/>
                 </a:solidFill>
                 <a:latin typeface="Calibri Light"/>
               </a:rPr>
-              <a:t>RESULTS &amp; ANALYSIS</a:t>
+              <a:t>NORMALIZED CHROMATICITY COORDINATES</a:t>
             </a:r>
-            <a:endParaRPr lang="en-US" sz="4400" b="0" strike="noStrike" spc="-1">
+            <a:endParaRPr lang="en-US" sz="4400" b="0" strike="noStrike" spc="-1" dirty="0">
               <a:solidFill>
                 <a:srgbClr val="000000"/>
               </a:solidFill>
@@ -10509,7 +8256,7 @@
       </p:sp>
       <p:sp>
         <p:nvSpPr>
-          <p:cNvPr id="96" name="Content Placeholder 2"/>
+          <p:cNvPr id="88" name="Content Placeholder 2"/>
           <p:cNvSpPr/>
           <p:nvPr/>
         </p:nvSpPr>
@@ -10571,28 +8318,82 @@
       </p:sp>
       <p:pic>
         <p:nvPicPr>
-          <p:cNvPr id="97" name="Picture 4"/>
-          <p:cNvPicPr/>
+          <p:cNvPr id="2" name="Picture 1" descr="A close-up of a cube&#10;&#10;Description automatically generated with low confidence">
+            <a:extLst>
+              <a:ext uri="{FF2B5EF4-FFF2-40B4-BE49-F238E27FC236}">
+                <a16:creationId xmlns:a16="http://schemas.microsoft.com/office/drawing/2014/main" id="{123E0813-1150-91AC-488B-70ADEBE6FF23}"/>
+              </a:ext>
+            </a:extLst>
+          </p:cNvPr>
+          <p:cNvPicPr>
+            <a:picLocks noChangeAspect="1"/>
+          </p:cNvPicPr>
           <p:nvPr/>
         </p:nvPicPr>
         <p:blipFill>
-          <a:blip r:embed="rId3"/>
-          <a:stretch/>
+          <a:blip r:embed="rId3">
+            <a:extLst>
+              <a:ext uri="{28A0092B-C50C-407E-A947-70E740481C1C}">
+                <a14:useLocalDpi xmlns:a14="http://schemas.microsoft.com/office/drawing/2010/main" val="0"/>
+              </a:ext>
+            </a:extLst>
+          </a:blip>
+          <a:stretch>
+            <a:fillRect/>
+          </a:stretch>
         </p:blipFill>
         <p:spPr>
           <a:xfrm>
-            <a:off x="4387320" y="2351160"/>
-            <a:ext cx="3417120" cy="3417120"/>
-          </a:xfrm>
-          <a:prstGeom prst="rect">
-            <a:avLst/>
-          </a:prstGeom>
-          <a:ln w="0">
-            <a:noFill/>
-          </a:ln>
+            <a:off x="1099785" y="1659902"/>
+            <a:ext cx="4188652" cy="2094326"/>
+          </a:xfrm>
+          <a:prstGeom prst="rect">
+            <a:avLst/>
+          </a:prstGeom>
+        </p:spPr>
+      </p:pic>
+      <p:pic>
+        <p:nvPicPr>
+          <p:cNvPr id="4" name="Picture 3" descr="A picture containing text, screenshot, diagram, plot&#10;&#10;Description automatically generated">
+            <a:extLst>
+              <a:ext uri="{FF2B5EF4-FFF2-40B4-BE49-F238E27FC236}">
+                <a16:creationId xmlns:a16="http://schemas.microsoft.com/office/drawing/2014/main" id="{B836CDC9-1791-4748-F659-2D47CA34968C}"/>
+              </a:ext>
+            </a:extLst>
+          </p:cNvPr>
+          <p:cNvPicPr>
+            <a:picLocks noChangeAspect="1"/>
+          </p:cNvPicPr>
+          <p:nvPr/>
+        </p:nvPicPr>
+        <p:blipFill>
+          <a:blip r:embed="rId4">
+            <a:extLst>
+              <a:ext uri="{28A0092B-C50C-407E-A947-70E740481C1C}">
+                <a14:useLocalDpi xmlns:a14="http://schemas.microsoft.com/office/drawing/2010/main" val="0"/>
+              </a:ext>
+            </a:extLst>
+          </a:blip>
+          <a:stretch>
+            <a:fillRect/>
+          </a:stretch>
+        </p:blipFill>
+        <p:spPr>
+          <a:xfrm>
+            <a:off x="5366359" y="1234435"/>
+            <a:ext cx="5852172" cy="4389129"/>
+          </a:xfrm>
+          <a:prstGeom prst="rect">
+            <a:avLst/>
+          </a:prstGeom>
         </p:spPr>
       </p:pic>
     </p:spTree>
+    <p:extLst>
+      <p:ext uri="{BB962C8B-B14F-4D97-AF65-F5344CB8AC3E}">
+        <p14:creationId xmlns:p14="http://schemas.microsoft.com/office/powerpoint/2010/main" val="45881743"/>
+      </p:ext>
+    </p:extLst>
   </p:cSld>
   <p:clrMapOvr>
     <a:masterClrMapping/>
@@ -10619,18 +8420,18 @@
       </p:grpSpPr>
       <p:sp>
         <p:nvSpPr>
-          <p:cNvPr id="98" name="PlaceHolder 1"/>
-          <p:cNvSpPr>
-            <a:spLocks noGrp="1"/>
-          </p:cNvSpPr>
-          <p:nvPr>
-            <p:ph/>
-          </p:nvPr>
-        </p:nvSpPr>
-        <p:spPr>
-          <a:xfrm>
-            <a:off x="838080" y="1442880"/>
-            <a:ext cx="10515240" cy="5414760"/>
+          <p:cNvPr id="87" name="PlaceHolder 1"/>
+          <p:cNvSpPr>
+            <a:spLocks noGrp="1"/>
+          </p:cNvSpPr>
+          <p:nvPr>
+            <p:ph type="title"/>
+          </p:nvPr>
+        </p:nvSpPr>
+        <p:spPr>
+          <a:xfrm>
+            <a:off x="0" y="18900"/>
+            <a:ext cx="12191760" cy="1325160"/>
           </a:xfrm>
           <a:prstGeom prst="rect">
             <a:avLst/>
@@ -10641,231 +8442,27 @@
           </a:ln>
         </p:spPr>
         <p:txBody>
-          <a:bodyPr anchor="t">
-            <a:normAutofit/>
-          </a:bodyPr>
-          <a:lstStyle/>
-          <a:p>
-            <a:pPr marL="228600" indent="-228600">
-              <a:lnSpc>
-                <a:spcPct val="90000"/>
-              </a:lnSpc>
-              <a:spcBef>
-                <a:spcPts val="1001"/>
-              </a:spcBef>
-              <a:buClr>
-                <a:srgbClr val="000000"/>
-              </a:buClr>
-              <a:buFont typeface="Arial"/>
-              <a:buChar char="•"/>
-            </a:pPr>
-            <a:r>
-              <a:rPr lang="en-US" sz="2800" b="0" strike="noStrike" spc="-1">
-                <a:solidFill>
-                  <a:srgbClr val="000000"/>
-                </a:solidFill>
-                <a:latin typeface="Calibri"/>
-              </a:rPr>
-              <a:t>Applying threshold and binarizing</a:t>
-            </a:r>
-          </a:p>
-          <a:p>
-            <a:pPr>
-              <a:lnSpc>
-                <a:spcPct val="90000"/>
-              </a:lnSpc>
-              <a:spcBef>
-                <a:spcPts val="1001"/>
-              </a:spcBef>
-              <a:buNone/>
-            </a:pPr>
-            <a:endParaRPr lang="en-US" sz="2800" b="0" strike="noStrike" spc="-1">
-              <a:solidFill>
-                <a:srgbClr val="000000"/>
-              </a:solidFill>
-              <a:latin typeface="Calibri"/>
-            </a:endParaRPr>
-          </a:p>
-          <a:p>
-            <a:pPr>
-              <a:lnSpc>
-                <a:spcPct val="90000"/>
-              </a:lnSpc>
-              <a:spcBef>
-                <a:spcPts val="1001"/>
-              </a:spcBef>
-              <a:buNone/>
-            </a:pPr>
-            <a:endParaRPr lang="en-US" sz="2800" b="0" strike="noStrike" spc="-1">
-              <a:solidFill>
-                <a:srgbClr val="000000"/>
-              </a:solidFill>
-              <a:latin typeface="Calibri"/>
-            </a:endParaRPr>
-          </a:p>
-          <a:p>
-            <a:pPr>
-              <a:lnSpc>
-                <a:spcPct val="90000"/>
-              </a:lnSpc>
-              <a:spcBef>
-                <a:spcPts val="1001"/>
-              </a:spcBef>
-              <a:buNone/>
-            </a:pPr>
-            <a:endParaRPr lang="en-US" sz="2800" b="0" strike="noStrike" spc="-1">
-              <a:solidFill>
-                <a:srgbClr val="000000"/>
-              </a:solidFill>
-              <a:latin typeface="Calibri"/>
-            </a:endParaRPr>
-          </a:p>
-          <a:p>
-            <a:pPr>
-              <a:lnSpc>
-                <a:spcPct val="90000"/>
-              </a:lnSpc>
-              <a:spcBef>
-                <a:spcPts val="1001"/>
-              </a:spcBef>
-              <a:buNone/>
-            </a:pPr>
-            <a:endParaRPr lang="en-US" sz="2800" b="0" strike="noStrike" spc="-1">
-              <a:solidFill>
-                <a:srgbClr val="000000"/>
-              </a:solidFill>
-              <a:latin typeface="Calibri"/>
-            </a:endParaRPr>
-          </a:p>
-          <a:p>
-            <a:pPr>
-              <a:lnSpc>
-                <a:spcPct val="90000"/>
-              </a:lnSpc>
-              <a:spcBef>
-                <a:spcPts val="1001"/>
-              </a:spcBef>
-              <a:buNone/>
-            </a:pPr>
-            <a:endParaRPr lang="en-US" sz="2800" b="0" strike="noStrike" spc="-1">
-              <a:solidFill>
-                <a:srgbClr val="000000"/>
-              </a:solidFill>
-              <a:latin typeface="Calibri"/>
-            </a:endParaRPr>
-          </a:p>
-          <a:p>
-            <a:pPr>
-              <a:lnSpc>
-                <a:spcPct val="90000"/>
-              </a:lnSpc>
-              <a:spcBef>
-                <a:spcPts val="1001"/>
-              </a:spcBef>
-              <a:buNone/>
-            </a:pPr>
-            <a:endParaRPr lang="en-US" sz="2800" b="0" strike="noStrike" spc="-1">
-              <a:solidFill>
-                <a:srgbClr val="000000"/>
-              </a:solidFill>
-              <a:latin typeface="Calibri"/>
-            </a:endParaRPr>
-          </a:p>
-          <a:p>
-            <a:pPr marL="228600" indent="-228600">
-              <a:lnSpc>
-                <a:spcPct val="90000"/>
-              </a:lnSpc>
-              <a:spcBef>
-                <a:spcPts val="1001"/>
-              </a:spcBef>
-              <a:buClr>
-                <a:srgbClr val="000000"/>
-              </a:buClr>
-              <a:buFont typeface="Arial"/>
-              <a:buChar char="•"/>
-            </a:pPr>
-            <a:r>
-              <a:rPr lang="en-US" sz="2800" b="0" strike="noStrike" spc="-1">
-                <a:solidFill>
-                  <a:srgbClr val="000000"/>
-                </a:solidFill>
-                <a:latin typeface="Calibri"/>
-              </a:rPr>
-              <a:t>Since the background is black, it is easy to pick it out the histogram.</a:t>
-            </a:r>
-          </a:p>
-          <a:p>
-            <a:pPr marL="228600" indent="-228600">
-              <a:lnSpc>
-                <a:spcPct val="90000"/>
-              </a:lnSpc>
-              <a:spcBef>
-                <a:spcPts val="1001"/>
-              </a:spcBef>
-              <a:buClr>
-                <a:srgbClr val="000000"/>
-              </a:buClr>
-              <a:buFont typeface="Arial"/>
-              <a:buChar char="•"/>
-            </a:pPr>
-            <a:r>
-              <a:rPr lang="en-US" sz="2800" b="0" strike="noStrike" spc="-1">
-                <a:solidFill>
-                  <a:srgbClr val="000000"/>
-                </a:solidFill>
-                <a:latin typeface="Calibri"/>
-              </a:rPr>
-              <a:t>The image is then binarized to make sure that there are only two values for easier extraction of geometric features.</a:t>
-            </a:r>
-          </a:p>
-        </p:txBody>
-      </p:sp>
-      <p:sp>
-        <p:nvSpPr>
-          <p:cNvPr id="99" name="PlaceHolder 2"/>
-          <p:cNvSpPr>
-            <a:spLocks noGrp="1"/>
-          </p:cNvSpPr>
-          <p:nvPr>
-            <p:ph type="title"/>
-          </p:nvPr>
-        </p:nvSpPr>
-        <p:spPr>
-          <a:xfrm>
-            <a:off x="838080" y="365040"/>
-            <a:ext cx="10515240" cy="1325160"/>
-          </a:xfrm>
-          <a:prstGeom prst="rect">
-            <a:avLst/>
-          </a:prstGeom>
-          <a:noFill/>
-          <a:ln w="0">
-            <a:noFill/>
-          </a:ln>
-        </p:spPr>
-        <p:txBody>
           <a:bodyPr anchor="ctr">
             <a:noAutofit/>
           </a:bodyPr>
           <a:lstStyle/>
           <a:p>
-            <a:pPr>
+            <a:pPr algn="ctr">
               <a:lnSpc>
                 <a:spcPct val="90000"/>
               </a:lnSpc>
               <a:buNone/>
             </a:pPr>
             <a:r>
-              <a:rPr lang="en-US" sz="4400" b="0" strike="noStrike" spc="-1">
+              <a:rPr lang="en-US" sz="4400" b="0" strike="noStrike" spc="-1" dirty="0">
                 <a:solidFill>
                   <a:srgbClr val="000000"/>
                 </a:solidFill>
                 <a:latin typeface="Calibri Light"/>
               </a:rPr>
-              <a:t>RESULTS &amp; ANALYSIS</a:t>
+              <a:t>PARAMETRIC COLOR SEGMENTATION</a:t>
             </a:r>
-            <a:endParaRPr lang="en-US" sz="4400" b="0" strike="noStrike" spc="-1">
+            <a:endParaRPr lang="en-US" sz="4400" b="0" strike="noStrike" spc="-1" dirty="0">
               <a:solidFill>
                 <a:srgbClr val="000000"/>
               </a:solidFill>
@@ -10876,7 +8473,7 @@
       </p:sp>
       <p:sp>
         <p:nvSpPr>
-          <p:cNvPr id="100" name="Content Placeholder 2"/>
+          <p:cNvPr id="88" name="Content Placeholder 2"/>
           <p:cNvSpPr/>
           <p:nvPr/>
         </p:nvSpPr>
@@ -10938,51 +8535,82 @@
       </p:sp>
       <p:pic>
         <p:nvPicPr>
-          <p:cNvPr id="101" name="Picture 3"/>
-          <p:cNvPicPr/>
+          <p:cNvPr id="5" name="Picture 4" descr="A blue rectangle with black text&#10;&#10;Description automatically generated with low confidence">
+            <a:extLst>
+              <a:ext uri="{FF2B5EF4-FFF2-40B4-BE49-F238E27FC236}">
+                <a16:creationId xmlns:a16="http://schemas.microsoft.com/office/drawing/2014/main" id="{ABB959B0-BFE4-DFBF-DEDA-5A77FD987C94}"/>
+              </a:ext>
+            </a:extLst>
+          </p:cNvPr>
+          <p:cNvPicPr>
+            <a:picLocks noChangeAspect="1"/>
+          </p:cNvPicPr>
           <p:nvPr/>
         </p:nvPicPr>
         <p:blipFill>
-          <a:blip r:embed="rId3"/>
-          <a:stretch/>
+          <a:blip r:embed="rId3" cstate="print">
+            <a:extLst>
+              <a:ext uri="{28A0092B-C50C-407E-A947-70E740481C1C}">
+                <a14:useLocalDpi xmlns:a14="http://schemas.microsoft.com/office/drawing/2010/main" val="0"/>
+              </a:ext>
+            </a:extLst>
+          </a:blip>
+          <a:stretch>
+            <a:fillRect/>
+          </a:stretch>
         </p:blipFill>
         <p:spPr>
           <a:xfrm>
-            <a:off x="1954080" y="1954800"/>
-            <a:ext cx="3918240" cy="2948400"/>
-          </a:xfrm>
-          <a:prstGeom prst="rect">
-            <a:avLst/>
-          </a:prstGeom>
-          <a:ln w="0">
-            <a:noFill/>
-          </a:ln>
+            <a:off x="612742" y="2064881"/>
+            <a:ext cx="6270448" cy="1567612"/>
+          </a:xfrm>
+          <a:prstGeom prst="rect">
+            <a:avLst/>
+          </a:prstGeom>
         </p:spPr>
       </p:pic>
       <p:pic>
         <p:nvPicPr>
-          <p:cNvPr id="102" name="Picture 4"/>
-          <p:cNvPicPr/>
+          <p:cNvPr id="7" name="Picture 6" descr="A picture containing text, screenshot, diagram, graphics&#10;&#10;Description automatically generated">
+            <a:extLst>
+              <a:ext uri="{FF2B5EF4-FFF2-40B4-BE49-F238E27FC236}">
+                <a16:creationId xmlns:a16="http://schemas.microsoft.com/office/drawing/2014/main" id="{A99CB194-B103-9EF5-FF65-B2523ABA7DAA}"/>
+              </a:ext>
+            </a:extLst>
+          </p:cNvPr>
+          <p:cNvPicPr>
+            <a:picLocks noChangeAspect="1"/>
+          </p:cNvPicPr>
           <p:nvPr/>
         </p:nvPicPr>
         <p:blipFill>
-          <a:blip r:embed="rId4"/>
-          <a:stretch/>
+          <a:blip r:embed="rId4">
+            <a:extLst>
+              <a:ext uri="{28A0092B-C50C-407E-A947-70E740481C1C}">
+                <a14:useLocalDpi xmlns:a14="http://schemas.microsoft.com/office/drawing/2010/main" val="0"/>
+              </a:ext>
+            </a:extLst>
+          </a:blip>
+          <a:stretch>
+            <a:fillRect/>
+          </a:stretch>
         </p:blipFill>
         <p:spPr>
           <a:xfrm>
-            <a:off x="7138800" y="1954800"/>
-            <a:ext cx="2948400" cy="2948400"/>
-          </a:xfrm>
-          <a:prstGeom prst="rect">
-            <a:avLst/>
-          </a:prstGeom>
-          <a:ln w="0">
-            <a:noFill/>
-          </a:ln>
+            <a:off x="7439428" y="1720004"/>
+            <a:ext cx="3009821" cy="2257366"/>
+          </a:xfrm>
+          <a:prstGeom prst="rect">
+            <a:avLst/>
+          </a:prstGeom>
         </p:spPr>
       </p:pic>
     </p:spTree>
+    <p:extLst>
+      <p:ext uri="{BB962C8B-B14F-4D97-AF65-F5344CB8AC3E}">
+        <p14:creationId xmlns:p14="http://schemas.microsoft.com/office/powerpoint/2010/main" val="2245716649"/>
+      </p:ext>
+    </p:extLst>
   </p:cSld>
   <p:clrMapOvr>
     <a:masterClrMapping/>
@@ -11009,18 +8637,18 @@
       </p:grpSpPr>
       <p:sp>
         <p:nvSpPr>
-          <p:cNvPr id="103" name="PlaceHolder 1"/>
-          <p:cNvSpPr>
-            <a:spLocks noGrp="1"/>
-          </p:cNvSpPr>
-          <p:nvPr>
-            <p:ph/>
-          </p:nvPr>
-        </p:nvSpPr>
-        <p:spPr>
-          <a:xfrm>
-            <a:off x="838080" y="1690560"/>
-            <a:ext cx="10515240" cy="5104080"/>
+          <p:cNvPr id="87" name="PlaceHolder 1"/>
+          <p:cNvSpPr>
+            <a:spLocks noGrp="1"/>
+          </p:cNvSpPr>
+          <p:nvPr>
+            <p:ph type="title"/>
+          </p:nvPr>
+        </p:nvSpPr>
+        <p:spPr>
+          <a:xfrm>
+            <a:off x="0" y="18900"/>
+            <a:ext cx="12191760" cy="1325160"/>
           </a:xfrm>
           <a:prstGeom prst="rect">
             <a:avLst/>
@@ -11031,220 +8659,36 @@
           </a:ln>
         </p:spPr>
         <p:txBody>
-          <a:bodyPr anchor="t">
-            <a:normAutofit/>
-          </a:bodyPr>
-          <a:lstStyle/>
-          <a:p>
-            <a:pPr marL="228600" indent="-228600">
-              <a:lnSpc>
-                <a:spcPct val="90000"/>
-              </a:lnSpc>
-              <a:spcBef>
-                <a:spcPts val="1001"/>
-              </a:spcBef>
-              <a:buClr>
-                <a:srgbClr val="000000"/>
-              </a:buClr>
-              <a:buFont typeface="Arial"/>
-              <a:buChar char="•"/>
-            </a:pPr>
-            <a:r>
-              <a:rPr lang="en-US" sz="2800" b="0" strike="noStrike" spc="-1">
-                <a:solidFill>
-                  <a:srgbClr val="000000"/>
-                </a:solidFill>
-                <a:latin typeface="Calibri"/>
-              </a:rPr>
-              <a:t>Analyze particles results</a:t>
-            </a:r>
-          </a:p>
-          <a:p>
-            <a:pPr>
-              <a:lnSpc>
-                <a:spcPct val="90000"/>
-              </a:lnSpc>
-              <a:spcBef>
-                <a:spcPts val="1001"/>
-              </a:spcBef>
-              <a:buNone/>
-            </a:pPr>
-            <a:endParaRPr lang="en-US" sz="2800" b="0" strike="noStrike" spc="-1">
-              <a:solidFill>
-                <a:srgbClr val="000000"/>
-              </a:solidFill>
-              <a:latin typeface="Calibri"/>
-            </a:endParaRPr>
-          </a:p>
-          <a:p>
-            <a:pPr>
-              <a:lnSpc>
-                <a:spcPct val="90000"/>
-              </a:lnSpc>
-              <a:spcBef>
-                <a:spcPts val="1001"/>
-              </a:spcBef>
-              <a:buNone/>
-            </a:pPr>
-            <a:endParaRPr lang="en-US" sz="2800" b="0" strike="noStrike" spc="-1">
-              <a:solidFill>
-                <a:srgbClr val="000000"/>
-              </a:solidFill>
-              <a:latin typeface="Calibri"/>
-            </a:endParaRPr>
-          </a:p>
-          <a:p>
-            <a:pPr>
-              <a:lnSpc>
-                <a:spcPct val="90000"/>
-              </a:lnSpc>
-              <a:spcBef>
-                <a:spcPts val="1001"/>
-              </a:spcBef>
-              <a:buNone/>
-            </a:pPr>
-            <a:endParaRPr lang="en-US" sz="2800" b="0" strike="noStrike" spc="-1">
-              <a:solidFill>
-                <a:srgbClr val="000000"/>
-              </a:solidFill>
-              <a:latin typeface="Calibri"/>
-            </a:endParaRPr>
-          </a:p>
-          <a:p>
-            <a:pPr>
-              <a:lnSpc>
-                <a:spcPct val="90000"/>
-              </a:lnSpc>
-              <a:spcBef>
-                <a:spcPts val="1001"/>
-              </a:spcBef>
-              <a:buNone/>
-            </a:pPr>
-            <a:endParaRPr lang="en-US" sz="2800" b="0" strike="noStrike" spc="-1">
-              <a:solidFill>
-                <a:srgbClr val="000000"/>
-              </a:solidFill>
-              <a:latin typeface="Calibri"/>
-            </a:endParaRPr>
-          </a:p>
-          <a:p>
-            <a:pPr>
-              <a:lnSpc>
-                <a:spcPct val="90000"/>
-              </a:lnSpc>
-              <a:spcBef>
-                <a:spcPts val="1001"/>
-              </a:spcBef>
-              <a:buNone/>
-            </a:pPr>
-            <a:endParaRPr lang="en-US" sz="2800" b="0" strike="noStrike" spc="-1">
-              <a:solidFill>
-                <a:srgbClr val="000000"/>
-              </a:solidFill>
-              <a:latin typeface="Calibri"/>
-            </a:endParaRPr>
-          </a:p>
-          <a:p>
-            <a:pPr>
-              <a:lnSpc>
-                <a:spcPct val="90000"/>
-              </a:lnSpc>
-              <a:spcBef>
-                <a:spcPts val="1001"/>
-              </a:spcBef>
-              <a:buNone/>
-            </a:pPr>
-            <a:endParaRPr lang="en-US" sz="2800" b="0" strike="noStrike" spc="-1">
-              <a:solidFill>
-                <a:srgbClr val="000000"/>
-              </a:solidFill>
-              <a:latin typeface="Calibri"/>
-            </a:endParaRPr>
-          </a:p>
-          <a:p>
-            <a:pPr>
-              <a:lnSpc>
-                <a:spcPct val="90000"/>
-              </a:lnSpc>
-              <a:spcBef>
-                <a:spcPts val="1001"/>
-              </a:spcBef>
-              <a:buNone/>
-            </a:pPr>
-            <a:endParaRPr lang="en-US" sz="2800" b="0" strike="noStrike" spc="-1">
-              <a:solidFill>
-                <a:srgbClr val="000000"/>
-              </a:solidFill>
-              <a:latin typeface="Calibri"/>
-            </a:endParaRPr>
-          </a:p>
-          <a:p>
-            <a:pPr>
-              <a:lnSpc>
-                <a:spcPct val="90000"/>
-              </a:lnSpc>
-              <a:spcBef>
-                <a:spcPts val="1001"/>
-              </a:spcBef>
-              <a:buNone/>
-              <a:tabLst>
-                <a:tab pos="0" algn="l"/>
-              </a:tabLst>
-            </a:pPr>
-            <a:endParaRPr lang="en-US" sz="2800" b="0" strike="noStrike" spc="-1">
-              <a:solidFill>
-                <a:srgbClr val="000000"/>
-              </a:solidFill>
-              <a:latin typeface="Calibri"/>
-            </a:endParaRPr>
-          </a:p>
-        </p:txBody>
-      </p:sp>
-      <p:sp>
-        <p:nvSpPr>
-          <p:cNvPr id="104" name="PlaceHolder 2"/>
-          <p:cNvSpPr>
-            <a:spLocks noGrp="1"/>
-          </p:cNvSpPr>
-          <p:nvPr>
-            <p:ph type="title"/>
-          </p:nvPr>
-        </p:nvSpPr>
-        <p:spPr>
-          <a:xfrm>
-            <a:off x="838080" y="365040"/>
-            <a:ext cx="10515240" cy="1325160"/>
-          </a:xfrm>
-          <a:prstGeom prst="rect">
-            <a:avLst/>
-          </a:prstGeom>
-          <a:noFill/>
-          <a:ln w="0">
-            <a:noFill/>
-          </a:ln>
-        </p:spPr>
-        <p:txBody>
           <a:bodyPr anchor="ctr">
             <a:noAutofit/>
           </a:bodyPr>
           <a:lstStyle/>
           <a:p>
-            <a:pPr>
+            <a:pPr algn="ctr">
               <a:lnSpc>
                 <a:spcPct val="90000"/>
               </a:lnSpc>
               <a:buNone/>
             </a:pPr>
             <a:r>
-              <a:rPr lang="en-US" sz="4400" b="0" strike="noStrike" spc="-1">
+              <a:rPr lang="en-US" spc="-1" dirty="0">
                 <a:solidFill>
                   <a:srgbClr val="000000"/>
                 </a:solidFill>
                 <a:latin typeface="Calibri Light"/>
               </a:rPr>
-              <a:t>RESULTS &amp; ANALYSIS</a:t>
+              <a:t>NON</a:t>
             </a:r>
-            <a:endParaRPr lang="en-US" sz="4400" b="0" strike="noStrike" spc="-1">
+            <a:r>
+              <a:rPr lang="en-US" sz="4400" b="0" strike="noStrike" spc="-1" dirty="0">
+                <a:solidFill>
+                  <a:srgbClr val="000000"/>
+                </a:solidFill>
+                <a:latin typeface="Calibri Light"/>
+              </a:rPr>
+              <a:t>PARAMETRIC COLOR SEGMENTATION</a:t>
+            </a:r>
+            <a:endParaRPr lang="en-US" sz="4400" b="0" strike="noStrike" spc="-1" dirty="0">
               <a:solidFill>
                 <a:srgbClr val="000000"/>
               </a:solidFill>
@@ -11255,7 +8699,7 @@
       </p:sp>
       <p:sp>
         <p:nvSpPr>
-          <p:cNvPr id="105" name="Content Placeholder 2"/>
+          <p:cNvPr id="88" name="Content Placeholder 2"/>
           <p:cNvSpPr/>
           <p:nvPr/>
         </p:nvSpPr>
@@ -11317,74 +8761,82 @@
       </p:sp>
       <p:pic>
         <p:nvPicPr>
-          <p:cNvPr id="106" name="Picture 9"/>
-          <p:cNvPicPr/>
+          <p:cNvPr id="3" name="Picture 2" descr="A picture containing text, screenshot, purple&#10;&#10;Description automatically generated">
+            <a:extLst>
+              <a:ext uri="{FF2B5EF4-FFF2-40B4-BE49-F238E27FC236}">
+                <a16:creationId xmlns:a16="http://schemas.microsoft.com/office/drawing/2014/main" id="{F4123CE6-C1B9-7391-B18B-E4A14966CBD9}"/>
+              </a:ext>
+            </a:extLst>
+          </p:cNvPr>
+          <p:cNvPicPr>
+            <a:picLocks noChangeAspect="1"/>
+          </p:cNvPicPr>
           <p:nvPr/>
         </p:nvPicPr>
         <p:blipFill>
-          <a:blip r:embed="rId3"/>
-          <a:stretch/>
+          <a:blip r:embed="rId3">
+            <a:extLst>
+              <a:ext uri="{28A0092B-C50C-407E-A947-70E740481C1C}">
+                <a14:useLocalDpi xmlns:a14="http://schemas.microsoft.com/office/drawing/2010/main" val="0"/>
+              </a:ext>
+            </a:extLst>
+          </a:blip>
+          <a:stretch>
+            <a:fillRect/>
+          </a:stretch>
         </p:blipFill>
         <p:spPr>
           <a:xfrm>
-            <a:off x="843120" y="2303280"/>
-            <a:ext cx="3341160" cy="3540240"/>
-          </a:xfrm>
-          <a:prstGeom prst="rect">
-            <a:avLst/>
-          </a:prstGeom>
-          <a:ln w="0">
-            <a:noFill/>
-          </a:ln>
+            <a:off x="577543" y="1262716"/>
+            <a:ext cx="5852172" cy="4389129"/>
+          </a:xfrm>
+          <a:prstGeom prst="rect">
+            <a:avLst/>
+          </a:prstGeom>
         </p:spPr>
       </p:pic>
       <p:pic>
         <p:nvPicPr>
-          <p:cNvPr id="107" name="Picture 14"/>
-          <p:cNvPicPr/>
+          <p:cNvPr id="5" name="Picture 4" descr="A picture containing text, screenshot, diagram, graphics&#10;&#10;Description automatically generated">
+            <a:extLst>
+              <a:ext uri="{FF2B5EF4-FFF2-40B4-BE49-F238E27FC236}">
+                <a16:creationId xmlns:a16="http://schemas.microsoft.com/office/drawing/2014/main" id="{BB0B0006-246B-1896-58B3-B5CF46502E3F}"/>
+              </a:ext>
+            </a:extLst>
+          </p:cNvPr>
+          <p:cNvPicPr>
+            <a:picLocks noChangeAspect="1"/>
+          </p:cNvPicPr>
           <p:nvPr/>
         </p:nvPicPr>
         <p:blipFill>
-          <a:blip r:embed="rId4"/>
-          <a:stretch/>
+          <a:blip r:embed="rId4">
+            <a:extLst>
+              <a:ext uri="{28A0092B-C50C-407E-A947-70E740481C1C}">
+                <a14:useLocalDpi xmlns:a14="http://schemas.microsoft.com/office/drawing/2010/main" val="0"/>
+              </a:ext>
+            </a:extLst>
+          </a:blip>
+          <a:stretch>
+            <a:fillRect/>
+          </a:stretch>
         </p:blipFill>
         <p:spPr>
           <a:xfrm>
-            <a:off x="4525920" y="2303280"/>
-            <a:ext cx="3401280" cy="3553920"/>
-          </a:xfrm>
-          <a:prstGeom prst="rect">
-            <a:avLst/>
-          </a:prstGeom>
-          <a:ln w="0">
-            <a:noFill/>
-          </a:ln>
-        </p:spPr>
-      </p:pic>
-      <p:pic>
-        <p:nvPicPr>
-          <p:cNvPr id="108" name="Picture 16"/>
-          <p:cNvPicPr/>
-          <p:nvPr/>
-        </p:nvPicPr>
-        <p:blipFill>
-          <a:blip r:embed="rId5"/>
-          <a:stretch/>
-        </p:blipFill>
-        <p:spPr>
-          <a:xfrm>
-            <a:off x="8193600" y="2800440"/>
-            <a:ext cx="3421440" cy="3056760"/>
-          </a:xfrm>
-          <a:prstGeom prst="rect">
-            <a:avLst/>
-          </a:prstGeom>
-          <a:ln w="0">
-            <a:noFill/>
-          </a:ln>
+            <a:off x="6384652" y="1535265"/>
+            <a:ext cx="5852172" cy="4389129"/>
+          </a:xfrm>
+          <a:prstGeom prst="rect">
+            <a:avLst/>
+          </a:prstGeom>
         </p:spPr>
       </p:pic>
     </p:spTree>
+    <p:extLst>
+      <p:ext uri="{BB962C8B-B14F-4D97-AF65-F5344CB8AC3E}">
+        <p14:creationId xmlns:p14="http://schemas.microsoft.com/office/powerpoint/2010/main" val="3931582715"/>
+      </p:ext>
+    </p:extLst>
   </p:cSld>
   <p:clrMapOvr>
     <a:masterClrMapping/>
@@ -11411,14 +8863,18 @@
       </p:grpSpPr>
       <p:sp>
         <p:nvSpPr>
-          <p:cNvPr id="86" name="Content Placeholder 2"/>
-          <p:cNvSpPr/>
-          <p:nvPr/>
-        </p:nvSpPr>
-        <p:spPr>
-          <a:xfrm>
-            <a:off x="838080" y="1825560"/>
-            <a:ext cx="10515240" cy="4350960"/>
+          <p:cNvPr id="87" name="PlaceHolder 1"/>
+          <p:cNvSpPr>
+            <a:spLocks noGrp="1"/>
+          </p:cNvSpPr>
+          <p:nvPr>
+            <p:ph type="title"/>
+          </p:nvPr>
+        </p:nvSpPr>
+        <p:spPr>
+          <a:xfrm>
+            <a:off x="0" y="18900"/>
+            <a:ext cx="12191760" cy="1325160"/>
           </a:xfrm>
           <a:prstGeom prst="rect">
             <a:avLst/>
@@ -11428,151 +8884,28 @@
             <a:noFill/>
           </a:ln>
         </p:spPr>
-        <p:style>
-          <a:lnRef idx="0">
-            <a:scrgbClr r="0" g="0" b="0"/>
-          </a:lnRef>
-          <a:fillRef idx="0">
-            <a:scrgbClr r="0" g="0" b="0"/>
-          </a:fillRef>
-          <a:effectRef idx="0">
-            <a:scrgbClr r="0" g="0" b="0"/>
-          </a:effectRef>
-          <a:fontRef idx="minor"/>
-        </p:style>
-        <p:txBody>
-          <a:bodyPr anchor="t">
-            <a:normAutofit/>
-          </a:bodyPr>
-          <a:lstStyle/>
-          <a:p>
-            <a:pPr marL="228600" indent="-228600">
-              <a:lnSpc>
-                <a:spcPct val="90000"/>
-              </a:lnSpc>
-              <a:spcBef>
-                <a:spcPts val="1001"/>
-              </a:spcBef>
-              <a:buClr>
-                <a:srgbClr val="000000"/>
-              </a:buClr>
-              <a:buFont typeface="Arial"/>
-              <a:buChar char="•"/>
-            </a:pPr>
-            <a:r>
-              <a:rPr lang="en-US" sz="2800" b="0" strike="noStrike" spc="-1" dirty="0">
-                <a:solidFill>
-                  <a:srgbClr val="000000"/>
-                </a:solidFill>
-                <a:latin typeface="Calibri"/>
-              </a:rPr>
-              <a:t>Image of </a:t>
-            </a:r>
-            <a:r>
-              <a:rPr lang="en-US" sz="2800" spc="-1" dirty="0">
-                <a:solidFill>
-                  <a:srgbClr val="000000"/>
-                </a:solidFill>
-                <a:latin typeface="Calibri"/>
-              </a:rPr>
-              <a:t>a 4x4x4 Rubik’s cube</a:t>
-            </a:r>
-            <a:endParaRPr lang="en-PH" sz="2800" b="0" strike="noStrike" spc="-1" dirty="0">
-              <a:latin typeface="Arial"/>
-            </a:endParaRPr>
-          </a:p>
-          <a:p>
-            <a:pPr>
-              <a:lnSpc>
-                <a:spcPct val="90000"/>
-              </a:lnSpc>
-              <a:spcBef>
-                <a:spcPts val="1001"/>
-              </a:spcBef>
-              <a:buNone/>
-            </a:pPr>
-            <a:endParaRPr lang="en-PH" sz="2800" b="0" strike="noStrike" spc="-1" dirty="0">
-              <a:latin typeface="Arial"/>
-            </a:endParaRPr>
-          </a:p>
-          <a:p>
-            <a:pPr>
-              <a:lnSpc>
-                <a:spcPct val="90000"/>
-              </a:lnSpc>
-              <a:spcBef>
-                <a:spcPts val="1001"/>
-              </a:spcBef>
-              <a:buNone/>
-            </a:pPr>
-            <a:endParaRPr lang="en-PH" sz="2800" b="0" strike="noStrike" spc="-1" dirty="0">
-              <a:latin typeface="Arial"/>
-            </a:endParaRPr>
-          </a:p>
-          <a:p>
-            <a:pPr>
-              <a:lnSpc>
-                <a:spcPct val="90000"/>
-              </a:lnSpc>
-              <a:spcBef>
-                <a:spcPts val="1001"/>
-              </a:spcBef>
-              <a:buNone/>
-              <a:tabLst>
-                <a:tab pos="0" algn="l"/>
-              </a:tabLst>
-            </a:pPr>
-            <a:endParaRPr lang="en-PH" sz="2800" b="0" strike="noStrike" spc="-1" dirty="0">
-              <a:latin typeface="Arial"/>
-            </a:endParaRPr>
-          </a:p>
-        </p:txBody>
-      </p:sp>
-      <p:sp>
-        <p:nvSpPr>
-          <p:cNvPr id="87" name="PlaceHolder 1"/>
-          <p:cNvSpPr>
-            <a:spLocks noGrp="1"/>
-          </p:cNvSpPr>
-          <p:nvPr>
-            <p:ph type="title"/>
-          </p:nvPr>
-        </p:nvSpPr>
-        <p:spPr>
-          <a:xfrm>
-            <a:off x="838080" y="365040"/>
-            <a:ext cx="10515240" cy="1325160"/>
-          </a:xfrm>
-          <a:prstGeom prst="rect">
-            <a:avLst/>
-          </a:prstGeom>
-          <a:noFill/>
-          <a:ln w="0">
-            <a:noFill/>
-          </a:ln>
-        </p:spPr>
         <p:txBody>
           <a:bodyPr anchor="ctr">
             <a:noAutofit/>
           </a:bodyPr>
           <a:lstStyle/>
           <a:p>
-            <a:pPr>
+            <a:pPr algn="ctr">
               <a:lnSpc>
                 <a:spcPct val="90000"/>
               </a:lnSpc>
               <a:buNone/>
             </a:pPr>
             <a:r>
-              <a:rPr lang="en-US" sz="4400" b="0" strike="noStrike" spc="-1">
+              <a:rPr lang="en-US" sz="4400" b="0" strike="noStrike" spc="-1" dirty="0">
                 <a:solidFill>
                   <a:srgbClr val="000000"/>
                 </a:solidFill>
                 <a:latin typeface="Calibri Light"/>
               </a:rPr>
-              <a:t>RESULTS &amp; ANALYSIS</a:t>
+              <a:t>PARAMETRIC VS NONPARAMETRIC</a:t>
             </a:r>
-            <a:endParaRPr lang="en-US" sz="4400" b="0" strike="noStrike" spc="-1">
+            <a:endParaRPr lang="en-US" sz="4400" b="0" strike="noStrike" spc="-1" dirty="0">
               <a:solidFill>
                 <a:srgbClr val="000000"/>
               </a:solidFill>
@@ -11645,10 +8978,10 @@
       </p:sp>
       <p:pic>
         <p:nvPicPr>
-          <p:cNvPr id="3" name="Picture 2">
+          <p:cNvPr id="3" name="Picture 2" descr="A picture containing text, screenshot, diagram, graphics&#10;&#10;Description automatically generated">
             <a:extLst>
               <a:ext uri="{FF2B5EF4-FFF2-40B4-BE49-F238E27FC236}">
-                <a16:creationId xmlns:a16="http://schemas.microsoft.com/office/drawing/2014/main" id="{F2707812-2C56-4BE6-BFE8-8E441362FACC}"/>
+                <a16:creationId xmlns:a16="http://schemas.microsoft.com/office/drawing/2014/main" id="{CAFDBF45-86B1-73A1-1F1C-23F26F2BA869}"/>
               </a:ext>
             </a:extLst>
           </p:cNvPr>
@@ -11670,9 +9003,477 @@
           </a:stretch>
         </p:blipFill>
         <p:spPr>
-          <a:xfrm rot="5400000">
-            <a:off x="4015970" y="2853434"/>
-            <a:ext cx="4159459" cy="3119594"/>
+          <a:xfrm>
+            <a:off x="3154524" y="1343303"/>
+            <a:ext cx="1744593" cy="1308445"/>
+          </a:xfrm>
+          <a:prstGeom prst="rect">
+            <a:avLst/>
+          </a:prstGeom>
+        </p:spPr>
+      </p:pic>
+      <p:pic>
+        <p:nvPicPr>
+          <p:cNvPr id="5" name="Picture 4" descr="A picture containing text, screenshot, diagram, graphics&#10;&#10;Description automatically generated">
+            <a:extLst>
+              <a:ext uri="{FF2B5EF4-FFF2-40B4-BE49-F238E27FC236}">
+                <a16:creationId xmlns:a16="http://schemas.microsoft.com/office/drawing/2014/main" id="{5BDA3251-E184-1D15-A6AE-F79D559188DA}"/>
+              </a:ext>
+            </a:extLst>
+          </p:cNvPr>
+          <p:cNvPicPr>
+            <a:picLocks noChangeAspect="1"/>
+          </p:cNvPicPr>
+          <p:nvPr/>
+        </p:nvPicPr>
+        <p:blipFill>
+          <a:blip r:embed="rId4" cstate="print">
+            <a:extLst>
+              <a:ext uri="{28A0092B-C50C-407E-A947-70E740481C1C}">
+                <a14:useLocalDpi xmlns:a14="http://schemas.microsoft.com/office/drawing/2010/main" val="0"/>
+              </a:ext>
+            </a:extLst>
+          </a:blip>
+          <a:stretch>
+            <a:fillRect/>
+          </a:stretch>
+        </p:blipFill>
+        <p:spPr>
+          <a:xfrm>
+            <a:off x="1647610" y="1290292"/>
+            <a:ext cx="1744593" cy="1308445"/>
+          </a:xfrm>
+          <a:prstGeom prst="rect">
+            <a:avLst/>
+          </a:prstGeom>
+        </p:spPr>
+      </p:pic>
+      <p:pic>
+        <p:nvPicPr>
+          <p:cNvPr id="7" name="Picture 6" descr="A picture containing text, screenshot, display, software&#10;&#10;Description automatically generated">
+            <a:extLst>
+              <a:ext uri="{FF2B5EF4-FFF2-40B4-BE49-F238E27FC236}">
+                <a16:creationId xmlns:a16="http://schemas.microsoft.com/office/drawing/2014/main" id="{14BA4D9F-020C-8805-CB84-F7A7FEE6106E}"/>
+              </a:ext>
+            </a:extLst>
+          </p:cNvPr>
+          <p:cNvPicPr>
+            <a:picLocks noChangeAspect="1"/>
+          </p:cNvPicPr>
+          <p:nvPr/>
+        </p:nvPicPr>
+        <p:blipFill>
+          <a:blip r:embed="rId5" cstate="print">
+            <a:extLst>
+              <a:ext uri="{28A0092B-C50C-407E-A947-70E740481C1C}">
+                <a14:useLocalDpi xmlns:a14="http://schemas.microsoft.com/office/drawing/2010/main" val="0"/>
+              </a:ext>
+            </a:extLst>
+          </a:blip>
+          <a:stretch>
+            <a:fillRect/>
+          </a:stretch>
+        </p:blipFill>
+        <p:spPr>
+          <a:xfrm>
+            <a:off x="4280985" y="4247651"/>
+            <a:ext cx="1744593" cy="1308445"/>
+          </a:xfrm>
+          <a:prstGeom prst="rect">
+            <a:avLst/>
+          </a:prstGeom>
+        </p:spPr>
+      </p:pic>
+      <p:pic>
+        <p:nvPicPr>
+          <p:cNvPr id="10" name="Picture 9" descr="A picture containing screenshot, text, design&#10;&#10;Description automatically generated">
+            <a:extLst>
+              <a:ext uri="{FF2B5EF4-FFF2-40B4-BE49-F238E27FC236}">
+                <a16:creationId xmlns:a16="http://schemas.microsoft.com/office/drawing/2014/main" id="{8E87E25D-9B95-51F1-E805-1DF6CCB7C0D4}"/>
+              </a:ext>
+            </a:extLst>
+          </p:cNvPr>
+          <p:cNvPicPr>
+            <a:picLocks noChangeAspect="1"/>
+          </p:cNvPicPr>
+          <p:nvPr/>
+        </p:nvPicPr>
+        <p:blipFill>
+          <a:blip r:embed="rId6" cstate="print">
+            <a:extLst>
+              <a:ext uri="{28A0092B-C50C-407E-A947-70E740481C1C}">
+                <a14:useLocalDpi xmlns:a14="http://schemas.microsoft.com/office/drawing/2010/main" val="0"/>
+              </a:ext>
+            </a:extLst>
+          </a:blip>
+          <a:stretch>
+            <a:fillRect/>
+          </a:stretch>
+        </p:blipFill>
+        <p:spPr>
+          <a:xfrm>
+            <a:off x="5530710" y="5209542"/>
+            <a:ext cx="1744593" cy="1308445"/>
+          </a:xfrm>
+          <a:prstGeom prst="rect">
+            <a:avLst/>
+          </a:prstGeom>
+        </p:spPr>
+      </p:pic>
+      <p:pic>
+        <p:nvPicPr>
+          <p:cNvPr id="14" name="Picture 13" descr="A picture containing screenshot, invertebrate, text&#10;&#10;Description automatically generated">
+            <a:extLst>
+              <a:ext uri="{FF2B5EF4-FFF2-40B4-BE49-F238E27FC236}">
+                <a16:creationId xmlns:a16="http://schemas.microsoft.com/office/drawing/2014/main" id="{4CC84850-9AE8-8C01-36D7-96D2BDBC0FEC}"/>
+              </a:ext>
+            </a:extLst>
+          </p:cNvPr>
+          <p:cNvPicPr>
+            <a:picLocks noChangeAspect="1"/>
+          </p:cNvPicPr>
+          <p:nvPr/>
+        </p:nvPicPr>
+        <p:blipFill>
+          <a:blip r:embed="rId7" cstate="print">
+            <a:extLst>
+              <a:ext uri="{28A0092B-C50C-407E-A947-70E740481C1C}">
+                <a14:useLocalDpi xmlns:a14="http://schemas.microsoft.com/office/drawing/2010/main" val="0"/>
+              </a:ext>
+            </a:extLst>
+          </a:blip>
+          <a:stretch>
+            <a:fillRect/>
+          </a:stretch>
+        </p:blipFill>
+        <p:spPr>
+          <a:xfrm>
+            <a:off x="10081247" y="5176393"/>
+            <a:ext cx="1744593" cy="1308445"/>
+          </a:xfrm>
+          <a:prstGeom prst="rect">
+            <a:avLst/>
+          </a:prstGeom>
+        </p:spPr>
+      </p:pic>
+      <p:pic>
+        <p:nvPicPr>
+          <p:cNvPr id="16" name="Picture 15" descr="A picture containing screenshot, text, insect, invertebrate&#10;&#10;Description automatically generated">
+            <a:extLst>
+              <a:ext uri="{FF2B5EF4-FFF2-40B4-BE49-F238E27FC236}">
+                <a16:creationId xmlns:a16="http://schemas.microsoft.com/office/drawing/2014/main" id="{937CC2EF-01D1-1C0B-65D6-58977BA218C6}"/>
+              </a:ext>
+            </a:extLst>
+          </p:cNvPr>
+          <p:cNvPicPr>
+            <a:picLocks noChangeAspect="1"/>
+          </p:cNvPicPr>
+          <p:nvPr/>
+        </p:nvPicPr>
+        <p:blipFill>
+          <a:blip r:embed="rId8" cstate="print">
+            <a:extLst>
+              <a:ext uri="{28A0092B-C50C-407E-A947-70E740481C1C}">
+                <a14:useLocalDpi xmlns:a14="http://schemas.microsoft.com/office/drawing/2010/main" val="0"/>
+              </a:ext>
+            </a:extLst>
+          </a:blip>
+          <a:stretch>
+            <a:fillRect/>
+          </a:stretch>
+        </p:blipFill>
+        <p:spPr>
+          <a:xfrm>
+            <a:off x="8401764" y="5102054"/>
+            <a:ext cx="1744593" cy="1308445"/>
+          </a:xfrm>
+          <a:prstGeom prst="rect">
+            <a:avLst/>
+          </a:prstGeom>
+        </p:spPr>
+      </p:pic>
+      <p:pic>
+        <p:nvPicPr>
+          <p:cNvPr id="18" name="Picture 17" descr="A picture containing text, screenshot, rectangle, design&#10;&#10;Description automatically generated">
+            <a:extLst>
+              <a:ext uri="{FF2B5EF4-FFF2-40B4-BE49-F238E27FC236}">
+                <a16:creationId xmlns:a16="http://schemas.microsoft.com/office/drawing/2014/main" id="{A1CFF067-B04D-BB6C-5627-E0B544E19FE8}"/>
+              </a:ext>
+            </a:extLst>
+          </p:cNvPr>
+          <p:cNvPicPr>
+            <a:picLocks noChangeAspect="1"/>
+          </p:cNvPicPr>
+          <p:nvPr/>
+        </p:nvPicPr>
+        <p:blipFill>
+          <a:blip r:embed="rId9" cstate="print">
+            <a:extLst>
+              <a:ext uri="{28A0092B-C50C-407E-A947-70E740481C1C}">
+                <a14:useLocalDpi xmlns:a14="http://schemas.microsoft.com/office/drawing/2010/main" val="0"/>
+              </a:ext>
+            </a:extLst>
+          </a:blip>
+          <a:stretch>
+            <a:fillRect/>
+          </a:stretch>
+        </p:blipFill>
+        <p:spPr>
+          <a:xfrm>
+            <a:off x="1313038" y="3243248"/>
+            <a:ext cx="1744593" cy="1308445"/>
+          </a:xfrm>
+          <a:prstGeom prst="rect">
+            <a:avLst/>
+          </a:prstGeom>
+        </p:spPr>
+      </p:pic>
+      <p:pic>
+        <p:nvPicPr>
+          <p:cNvPr id="20" name="Picture 19" descr="A picture containing text, screenshot, box, design&#10;&#10;Description automatically generated">
+            <a:extLst>
+              <a:ext uri="{FF2B5EF4-FFF2-40B4-BE49-F238E27FC236}">
+                <a16:creationId xmlns:a16="http://schemas.microsoft.com/office/drawing/2014/main" id="{EE12F332-2139-B355-C535-CFBE253AD89D}"/>
+              </a:ext>
+            </a:extLst>
+          </p:cNvPr>
+          <p:cNvPicPr>
+            <a:picLocks noChangeAspect="1"/>
+          </p:cNvPicPr>
+          <p:nvPr/>
+        </p:nvPicPr>
+        <p:blipFill>
+          <a:blip r:embed="rId10" cstate="print">
+            <a:extLst>
+              <a:ext uri="{28A0092B-C50C-407E-A947-70E740481C1C}">
+                <a14:useLocalDpi xmlns:a14="http://schemas.microsoft.com/office/drawing/2010/main" val="0"/>
+              </a:ext>
+            </a:extLst>
+          </a:blip>
+          <a:stretch>
+            <a:fillRect/>
+          </a:stretch>
+        </p:blipFill>
+        <p:spPr>
+          <a:xfrm>
+            <a:off x="37808" y="3504507"/>
+            <a:ext cx="1744593" cy="1308445"/>
+          </a:xfrm>
+          <a:prstGeom prst="rect">
+            <a:avLst/>
+          </a:prstGeom>
+        </p:spPr>
+      </p:pic>
+      <p:pic>
+        <p:nvPicPr>
+          <p:cNvPr id="22" name="Picture 21" descr="A picture containing text, screenshot&#10;&#10;Description automatically generated">
+            <a:extLst>
+              <a:ext uri="{FF2B5EF4-FFF2-40B4-BE49-F238E27FC236}">
+                <a16:creationId xmlns:a16="http://schemas.microsoft.com/office/drawing/2014/main" id="{183B1C4E-DA13-F25C-1EAD-403AEE23FFFB}"/>
+              </a:ext>
+            </a:extLst>
+          </p:cNvPr>
+          <p:cNvPicPr>
+            <a:picLocks noChangeAspect="1"/>
+          </p:cNvPicPr>
+          <p:nvPr/>
+        </p:nvPicPr>
+        <p:blipFill>
+          <a:blip r:embed="rId11" cstate="print">
+            <a:extLst>
+              <a:ext uri="{28A0092B-C50C-407E-A947-70E740481C1C}">
+                <a14:useLocalDpi xmlns:a14="http://schemas.microsoft.com/office/drawing/2010/main" val="0"/>
+              </a:ext>
+            </a:extLst>
+          </a:blip>
+          <a:stretch>
+            <a:fillRect/>
+          </a:stretch>
+        </p:blipFill>
+        <p:spPr>
+          <a:xfrm>
+            <a:off x="1409931" y="4751874"/>
+            <a:ext cx="1744593" cy="1308445"/>
+          </a:xfrm>
+          <a:prstGeom prst="rect">
+            <a:avLst/>
+          </a:prstGeom>
+        </p:spPr>
+      </p:pic>
+      <p:pic>
+        <p:nvPicPr>
+          <p:cNvPr id="24" name="Picture 23" descr="A picture containing text, screenshot, design&#10;&#10;Description automatically generated">
+            <a:extLst>
+              <a:ext uri="{FF2B5EF4-FFF2-40B4-BE49-F238E27FC236}">
+                <a16:creationId xmlns:a16="http://schemas.microsoft.com/office/drawing/2014/main" id="{30DCC745-57B9-97D7-3C2B-2A9F10B2C07A}"/>
+              </a:ext>
+            </a:extLst>
+          </p:cNvPr>
+          <p:cNvPicPr>
+            <a:picLocks noChangeAspect="1"/>
+          </p:cNvPicPr>
+          <p:nvPr/>
+        </p:nvPicPr>
+        <p:blipFill>
+          <a:blip r:embed="rId12" cstate="print">
+            <a:extLst>
+              <a:ext uri="{28A0092B-C50C-407E-A947-70E740481C1C}">
+                <a14:useLocalDpi xmlns:a14="http://schemas.microsoft.com/office/drawing/2010/main" val="0"/>
+              </a:ext>
+            </a:extLst>
+          </a:blip>
+          <a:stretch>
+            <a:fillRect/>
+          </a:stretch>
+        </p:blipFill>
+        <p:spPr>
+          <a:xfrm>
+            <a:off x="266322" y="4901874"/>
+            <a:ext cx="1744593" cy="1308445"/>
+          </a:xfrm>
+          <a:prstGeom prst="rect">
+            <a:avLst/>
+          </a:prstGeom>
+        </p:spPr>
+      </p:pic>
+      <p:pic>
+        <p:nvPicPr>
+          <p:cNvPr id="26" name="Picture 25" descr="A picture containing text, screenshot&#10;&#10;Description automatically generated">
+            <a:extLst>
+              <a:ext uri="{FF2B5EF4-FFF2-40B4-BE49-F238E27FC236}">
+                <a16:creationId xmlns:a16="http://schemas.microsoft.com/office/drawing/2014/main" id="{DD26762C-5F15-6A0D-7F1A-DE5371243408}"/>
+              </a:ext>
+            </a:extLst>
+          </p:cNvPr>
+          <p:cNvPicPr>
+            <a:picLocks noChangeAspect="1"/>
+          </p:cNvPicPr>
+          <p:nvPr/>
+        </p:nvPicPr>
+        <p:blipFill>
+          <a:blip r:embed="rId13" cstate="print">
+            <a:extLst>
+              <a:ext uri="{28A0092B-C50C-407E-A947-70E740481C1C}">
+                <a14:useLocalDpi xmlns:a14="http://schemas.microsoft.com/office/drawing/2010/main" val="0"/>
+              </a:ext>
+            </a:extLst>
+          </a:blip>
+          <a:stretch>
+            <a:fillRect/>
+          </a:stretch>
+        </p:blipFill>
+        <p:spPr>
+          <a:xfrm>
+            <a:off x="5973703" y="2774498"/>
+            <a:ext cx="1744593" cy="1308445"/>
+          </a:xfrm>
+          <a:prstGeom prst="rect">
+            <a:avLst/>
+          </a:prstGeom>
+        </p:spPr>
+      </p:pic>
+      <p:pic>
+        <p:nvPicPr>
+          <p:cNvPr id="28" name="Picture 27" descr="A picture containing text, screenshot, diagram, design&#10;&#10;Description automatically generated">
+            <a:extLst>
+              <a:ext uri="{FF2B5EF4-FFF2-40B4-BE49-F238E27FC236}">
+                <a16:creationId xmlns:a16="http://schemas.microsoft.com/office/drawing/2014/main" id="{792A0754-C1B3-2592-84B8-9CDF2735593E}"/>
+              </a:ext>
+            </a:extLst>
+          </p:cNvPr>
+          <p:cNvPicPr>
+            <a:picLocks noChangeAspect="1"/>
+          </p:cNvPicPr>
+          <p:nvPr/>
+        </p:nvPicPr>
+        <p:blipFill>
+          <a:blip r:embed="rId14" cstate="print">
+            <a:extLst>
+              <a:ext uri="{28A0092B-C50C-407E-A947-70E740481C1C}">
+                <a14:useLocalDpi xmlns:a14="http://schemas.microsoft.com/office/drawing/2010/main" val="0"/>
+              </a:ext>
+            </a:extLst>
+          </a:blip>
+          <a:stretch>
+            <a:fillRect/>
+          </a:stretch>
+        </p:blipFill>
+        <p:spPr>
+          <a:xfrm>
+            <a:off x="5373703" y="1520555"/>
+            <a:ext cx="1744593" cy="1308445"/>
+          </a:xfrm>
+          <a:prstGeom prst="rect">
+            <a:avLst/>
+          </a:prstGeom>
+        </p:spPr>
+      </p:pic>
+      <p:pic>
+        <p:nvPicPr>
+          <p:cNvPr id="30" name="Picture 29" descr="A picture containing text, screenshot, design&#10;&#10;Description automatically generated">
+            <a:extLst>
+              <a:ext uri="{FF2B5EF4-FFF2-40B4-BE49-F238E27FC236}">
+                <a16:creationId xmlns:a16="http://schemas.microsoft.com/office/drawing/2014/main" id="{53C4E0AE-F415-FF78-62C2-73AE2DDA8F81}"/>
+              </a:ext>
+            </a:extLst>
+          </p:cNvPr>
+          <p:cNvPicPr>
+            <a:picLocks noChangeAspect="1"/>
+          </p:cNvPicPr>
+          <p:nvPr/>
+        </p:nvPicPr>
+        <p:blipFill>
+          <a:blip r:embed="rId15" cstate="print">
+            <a:extLst>
+              <a:ext uri="{28A0092B-C50C-407E-A947-70E740481C1C}">
+                <a14:useLocalDpi xmlns:a14="http://schemas.microsoft.com/office/drawing/2010/main" val="0"/>
+              </a:ext>
+            </a:extLst>
+          </a:blip>
+          <a:stretch>
+            <a:fillRect/>
+          </a:stretch>
+        </p:blipFill>
+        <p:spPr>
+          <a:xfrm>
+            <a:off x="9349559" y="3466028"/>
+            <a:ext cx="1744593" cy="1308445"/>
+          </a:xfrm>
+          <a:prstGeom prst="rect">
+            <a:avLst/>
+          </a:prstGeom>
+        </p:spPr>
+      </p:pic>
+      <p:pic>
+        <p:nvPicPr>
+          <p:cNvPr id="32" name="Picture 31" descr="A picture containing text, screenshot, diagram, design&#10;&#10;Description automatically generated">
+            <a:extLst>
+              <a:ext uri="{FF2B5EF4-FFF2-40B4-BE49-F238E27FC236}">
+                <a16:creationId xmlns:a16="http://schemas.microsoft.com/office/drawing/2014/main" id="{549485F1-534D-8605-D580-B6B62D702964}"/>
+              </a:ext>
+            </a:extLst>
+          </p:cNvPr>
+          <p:cNvPicPr>
+            <a:picLocks noChangeAspect="1"/>
+          </p:cNvPicPr>
+          <p:nvPr/>
+        </p:nvPicPr>
+        <p:blipFill>
+          <a:blip r:embed="rId16" cstate="print">
+            <a:extLst>
+              <a:ext uri="{28A0092B-C50C-407E-A947-70E740481C1C}">
+                <a14:useLocalDpi xmlns:a14="http://schemas.microsoft.com/office/drawing/2010/main" val="0"/>
+              </a:ext>
+            </a:extLst>
+          </a:blip>
+          <a:stretch>
+            <a:fillRect/>
+          </a:stretch>
+        </p:blipFill>
+        <p:spPr>
+          <a:xfrm>
+            <a:off x="9336703" y="2070916"/>
+            <a:ext cx="1744593" cy="1308445"/>
           </a:xfrm>
           <a:prstGeom prst="rect">
             <a:avLst/>
@@ -11682,7 +9483,7 @@
     </p:spTree>
     <p:extLst>
       <p:ext uri="{BB962C8B-B14F-4D97-AF65-F5344CB8AC3E}">
-        <p14:creationId xmlns:p14="http://schemas.microsoft.com/office/powerpoint/2010/main" val="1023647886"/>
+        <p14:creationId xmlns:p14="http://schemas.microsoft.com/office/powerpoint/2010/main" val="394456598"/>
       </p:ext>
     </p:extLst>
   </p:cSld>
@@ -11711,7 +9512,7 @@
       </p:grpSpPr>
       <p:sp>
         <p:nvSpPr>
-          <p:cNvPr id="90" name="PlaceHolder 1"/>
+          <p:cNvPr id="109" name="PlaceHolder 1"/>
           <p:cNvSpPr>
             <a:spLocks noGrp="1"/>
           </p:cNvSpPr>
@@ -11745,15 +9546,15 @@
               <a:buNone/>
             </a:pPr>
             <a:r>
-              <a:rPr lang="en-US" sz="4400" b="0" strike="noStrike" spc="-1">
+              <a:rPr lang="en-US" sz="4400" b="0" strike="noStrike" spc="-1" dirty="0">
                 <a:solidFill>
                   <a:srgbClr val="000000"/>
                 </a:solidFill>
                 <a:latin typeface="Calibri Light"/>
               </a:rPr>
-              <a:t>RESULTS &amp; ANALYSIS</a:t>
+              <a:t>REFLECTION</a:t>
             </a:r>
-            <a:endParaRPr lang="en-US" sz="4400" b="0" strike="noStrike" spc="-1">
+            <a:endParaRPr lang="en-US" sz="4400" b="0" strike="noStrike" spc="-1" dirty="0">
               <a:solidFill>
                 <a:srgbClr val="000000"/>
               </a:solidFill>
@@ -11764,7 +9565,7 @@
       </p:sp>
       <p:sp>
         <p:nvSpPr>
-          <p:cNvPr id="91" name="PlaceHolder 2"/>
+          <p:cNvPr id="110" name="PlaceHolder 2"/>
           <p:cNvSpPr>
             <a:spLocks noGrp="1"/>
           </p:cNvSpPr>
@@ -11774,8 +9575,8 @@
         </p:nvSpPr>
         <p:spPr>
           <a:xfrm>
-            <a:off x="901800" y="1397880"/>
-            <a:ext cx="10515240" cy="5262120"/>
+            <a:off x="838080" y="1825560"/>
+            <a:ext cx="10515240" cy="4350960"/>
           </a:xfrm>
           <a:prstGeom prst="rect">
             <a:avLst/>
@@ -11787,7 +9588,7 @@
         </p:spPr>
         <p:txBody>
           <a:bodyPr anchor="t">
-            <a:normAutofit fontScale="96000" lnSpcReduction="10000"/>
+            <a:noAutofit/>
           </a:bodyPr>
           <a:lstStyle/>
           <a:p>
@@ -11811,144 +9612,8 @@
                 </a:solidFill>
                 <a:latin typeface="Calibri"/>
               </a:rPr>
-              <a:t>Setting scale</a:t>
+              <a:t>This activity was straightforward so I was able to follow it easily.</a:t>
             </a:r>
-          </a:p>
-          <a:p>
-            <a:pPr>
-              <a:lnSpc>
-                <a:spcPct val="90000"/>
-              </a:lnSpc>
-              <a:spcBef>
-                <a:spcPts val="1001"/>
-              </a:spcBef>
-              <a:buNone/>
-            </a:pPr>
-            <a:endParaRPr lang="en-US" sz="2800" b="0" strike="noStrike" spc="-1" dirty="0">
-              <a:solidFill>
-                <a:srgbClr val="000000"/>
-              </a:solidFill>
-              <a:latin typeface="Calibri"/>
-            </a:endParaRPr>
-          </a:p>
-          <a:p>
-            <a:pPr>
-              <a:lnSpc>
-                <a:spcPct val="90000"/>
-              </a:lnSpc>
-              <a:spcBef>
-                <a:spcPts val="1001"/>
-              </a:spcBef>
-              <a:buNone/>
-            </a:pPr>
-            <a:endParaRPr lang="en-US" sz="2800" b="0" strike="noStrike" spc="-1" dirty="0">
-              <a:solidFill>
-                <a:srgbClr val="000000"/>
-              </a:solidFill>
-              <a:latin typeface="Calibri"/>
-            </a:endParaRPr>
-          </a:p>
-          <a:p>
-            <a:pPr>
-              <a:lnSpc>
-                <a:spcPct val="90000"/>
-              </a:lnSpc>
-              <a:spcBef>
-                <a:spcPts val="1001"/>
-              </a:spcBef>
-              <a:buNone/>
-            </a:pPr>
-            <a:endParaRPr lang="en-US" sz="2800" b="0" strike="noStrike" spc="-1" dirty="0">
-              <a:solidFill>
-                <a:srgbClr val="000000"/>
-              </a:solidFill>
-              <a:latin typeface="Calibri"/>
-            </a:endParaRPr>
-          </a:p>
-          <a:p>
-            <a:pPr>
-              <a:lnSpc>
-                <a:spcPct val="90000"/>
-              </a:lnSpc>
-              <a:spcBef>
-                <a:spcPts val="1001"/>
-              </a:spcBef>
-              <a:buNone/>
-            </a:pPr>
-            <a:endParaRPr lang="en-US" sz="2800" b="0" strike="noStrike" spc="-1" dirty="0">
-              <a:solidFill>
-                <a:srgbClr val="000000"/>
-              </a:solidFill>
-              <a:latin typeface="Calibri"/>
-            </a:endParaRPr>
-          </a:p>
-          <a:p>
-            <a:pPr>
-              <a:lnSpc>
-                <a:spcPct val="90000"/>
-              </a:lnSpc>
-              <a:spcBef>
-                <a:spcPts val="1001"/>
-              </a:spcBef>
-              <a:buNone/>
-            </a:pPr>
-            <a:endParaRPr lang="en-US" sz="2800" b="0" strike="noStrike" spc="-1" dirty="0">
-              <a:solidFill>
-                <a:srgbClr val="000000"/>
-              </a:solidFill>
-              <a:latin typeface="Calibri"/>
-            </a:endParaRPr>
-          </a:p>
-          <a:p>
-            <a:pPr>
-              <a:lnSpc>
-                <a:spcPct val="90000"/>
-              </a:lnSpc>
-              <a:spcBef>
-                <a:spcPts val="1001"/>
-              </a:spcBef>
-              <a:buNone/>
-            </a:pPr>
-            <a:endParaRPr lang="en-US" sz="2800" b="0" strike="noStrike" spc="-1" dirty="0">
-              <a:solidFill>
-                <a:srgbClr val="000000"/>
-              </a:solidFill>
-              <a:latin typeface="Calibri"/>
-            </a:endParaRPr>
-          </a:p>
-          <a:p>
-            <a:pPr>
-              <a:lnSpc>
-                <a:spcPct val="90000"/>
-              </a:lnSpc>
-              <a:spcBef>
-                <a:spcPts val="1001"/>
-              </a:spcBef>
-              <a:buNone/>
-            </a:pPr>
-            <a:endParaRPr lang="en-US" sz="2800" b="0" strike="noStrike" spc="-1" dirty="0">
-              <a:solidFill>
-                <a:srgbClr val="000000"/>
-              </a:solidFill>
-              <a:latin typeface="Calibri"/>
-            </a:endParaRPr>
-          </a:p>
-          <a:p>
-            <a:pPr>
-              <a:lnSpc>
-                <a:spcPct val="90000"/>
-              </a:lnSpc>
-              <a:spcBef>
-                <a:spcPts val="1001"/>
-              </a:spcBef>
-              <a:buNone/>
-            </a:pPr>
-            <a:endParaRPr lang="en-US" sz="2800" b="0" strike="noStrike" spc="-1" dirty="0">
-              <a:solidFill>
-                <a:srgbClr val="000000"/>
-              </a:solidFill>
-              <a:latin typeface="Calibri"/>
-            </a:endParaRPr>
           </a:p>
           <a:p>
             <a:pPr marL="228600" indent="-228600">
@@ -11971,130 +9636,36 @@
                 </a:solidFill>
                 <a:latin typeface="Calibri"/>
               </a:rPr>
-              <a:t>I used a 5 peso coin on top of a 5x5x5 cube which is </a:t>
+              <a:t>It is fun to recognize and understand the functions of different options in ImageJ based on our fundamental understandings of image processing. It is cool to know that you can do these manually with coding without the app.</a:t>
             </a:r>
+          </a:p>
+          <a:p>
+            <a:pPr marL="228600" indent="-228600">
+              <a:lnSpc>
+                <a:spcPct val="90000"/>
+              </a:lnSpc>
+              <a:spcBef>
+                <a:spcPts val="1001"/>
+              </a:spcBef>
+              <a:buClr>
+                <a:srgbClr val="000000"/>
+              </a:buClr>
+              <a:buFont typeface="Arial"/>
+              <a:buChar char="•"/>
+            </a:pPr>
             <a:r>
-              <a:rPr lang="en-US" spc="-1" dirty="0">
+              <a:rPr lang="en-US" sz="2800" b="0" strike="noStrike" spc="-1" dirty="0">
                 <a:solidFill>
                   <a:srgbClr val="000000"/>
                 </a:solidFill>
                 <a:latin typeface="Calibri"/>
               </a:rPr>
-              <a:t>about the same height as a 4x4x4 (if I just put it on the table, the height difference affects the scaling) for scaling. It is about 25 mm. </a:t>
+              <a:t>I am grateful for this no-coding exercise. This is a breather exercise because I have been overwhelmed by coding lately.</a:t>
             </a:r>
-            <a:endParaRPr lang="en-US" sz="2800" b="0" strike="noStrike" spc="-1" dirty="0">
-              <a:solidFill>
-                <a:srgbClr val="000000"/>
-              </a:solidFill>
-              <a:latin typeface="Calibri"/>
-            </a:endParaRPr>
-          </a:p>
-        </p:txBody>
-      </p:sp>
-      <p:sp>
-        <p:nvSpPr>
-          <p:cNvPr id="92" name="Content Placeholder 2"/>
-          <p:cNvSpPr/>
-          <p:nvPr/>
-        </p:nvSpPr>
-        <p:spPr>
-          <a:xfrm>
-            <a:off x="0" y="6610680"/>
-            <a:ext cx="12191760" cy="246960"/>
-          </a:xfrm>
-          <a:prstGeom prst="rect">
-            <a:avLst/>
-          </a:prstGeom>
-          <a:noFill/>
-          <a:ln w="0">
-            <a:noFill/>
-          </a:ln>
-        </p:spPr>
-        <p:style>
-          <a:lnRef idx="0">
-            <a:scrgbClr r="0" g="0" b="0"/>
-          </a:lnRef>
-          <a:fillRef idx="0">
-            <a:scrgbClr r="0" g="0" b="0"/>
-          </a:fillRef>
-          <a:effectRef idx="0">
-            <a:scrgbClr r="0" g="0" b="0"/>
-          </a:effectRef>
-          <a:fontRef idx="minor"/>
-        </p:style>
-        <p:txBody>
-          <a:bodyPr anchor="t">
-            <a:normAutofit fontScale="95000" lnSpcReduction="10000"/>
-          </a:bodyPr>
-          <a:lstStyle/>
-          <a:p>
-            <a:pPr marL="0" indent="0">
-              <a:buNone/>
-            </a:pPr>
-            <a:r>
-              <a:rPr lang="en-US" sz="1200" dirty="0">
-                <a:latin typeface="Calibri" panose="020F0502020204030204" pitchFamily="34" charset="0"/>
-                <a:cs typeface="Calibri" panose="020F0502020204030204" pitchFamily="34" charset="0"/>
-              </a:rPr>
-              <a:t>Codes and files: </a:t>
-            </a:r>
-            <a:r>
-              <a:rPr lang="en-US" sz="1200" dirty="0">
-                <a:latin typeface="Calibri" panose="020F0502020204030204" pitchFamily="34" charset="0"/>
-                <a:cs typeface="Calibri" panose="020F0502020204030204" pitchFamily="34" charset="0"/>
-                <a:hlinkClick r:id="rId2"/>
-              </a:rPr>
-              <a:t>https://github.com/genvert/AP_157_FX-2_Vertudez/tree/main/Activity%205</a:t>
-            </a:r>
-            <a:endParaRPr lang="en-US" sz="1200" dirty="0">
-              <a:latin typeface="Calibri" panose="020F0502020204030204" pitchFamily="34" charset="0"/>
-              <a:cs typeface="Calibri" panose="020F0502020204030204" pitchFamily="34" charset="0"/>
-            </a:endParaRPr>
-          </a:p>
-        </p:txBody>
-      </p:sp>
-      <p:pic>
-        <p:nvPicPr>
-          <p:cNvPr id="3" name="Picture 2">
-            <a:extLst>
-              <a:ext uri="{FF2B5EF4-FFF2-40B4-BE49-F238E27FC236}">
-                <a16:creationId xmlns:a16="http://schemas.microsoft.com/office/drawing/2014/main" id="{F48DB1F7-774B-4F64-BAB2-F9E77ACF59E4}"/>
-              </a:ext>
-            </a:extLst>
-          </p:cNvPr>
-          <p:cNvPicPr>
-            <a:picLocks noChangeAspect="1"/>
-          </p:cNvPicPr>
-          <p:nvPr/>
-        </p:nvPicPr>
-        <p:blipFill>
-          <a:blip r:embed="rId3">
-            <a:extLst>
-              <a:ext uri="{28A0092B-C50C-407E-A947-70E740481C1C}">
-                <a14:useLocalDpi xmlns:a14="http://schemas.microsoft.com/office/drawing/2010/main" val="0"/>
-              </a:ext>
-            </a:extLst>
-          </a:blip>
-          <a:stretch>
-            <a:fillRect/>
-          </a:stretch>
-        </p:blipFill>
-        <p:spPr>
-          <a:xfrm>
-            <a:off x="3708400" y="1690200"/>
-            <a:ext cx="4775200" cy="3775055"/>
-          </a:xfrm>
-          <a:prstGeom prst="rect">
-            <a:avLst/>
-          </a:prstGeom>
-        </p:spPr>
-      </p:pic>
+          </a:p>
+        </p:txBody>
+      </p:sp>
     </p:spTree>
-    <p:extLst>
-      <p:ext uri="{BB962C8B-B14F-4D97-AF65-F5344CB8AC3E}">
-        <p14:creationId xmlns:p14="http://schemas.microsoft.com/office/powerpoint/2010/main" val="1312496875"/>
-      </p:ext>
-    </p:extLst>
   </p:cSld>
   <p:clrMapOvr>
     <a:masterClrMapping/>
